--- a/Presentation 1 (1).pptx
+++ b/Presentation 1 (1).pptx
@@ -26,14 +26,18 @@
     <p:sldId id="276" r:id="rId20"/>
     <p:sldId id="278" r:id="rId21"/>
     <p:sldId id="277" r:id="rId22"/>
-    <p:sldId id="271" r:id="rId23"/>
-    <p:sldId id="272" r:id="rId24"/>
-    <p:sldId id="284" r:id="rId25"/>
-    <p:sldId id="285" r:id="rId26"/>
-    <p:sldId id="279" r:id="rId27"/>
-    <p:sldId id="281" r:id="rId28"/>
-    <p:sldId id="280" r:id="rId29"/>
-    <p:sldId id="282" r:id="rId30"/>
+    <p:sldId id="288" r:id="rId23"/>
+    <p:sldId id="271" r:id="rId24"/>
+    <p:sldId id="272" r:id="rId25"/>
+    <p:sldId id="284" r:id="rId26"/>
+    <p:sldId id="285" r:id="rId27"/>
+    <p:sldId id="279" r:id="rId28"/>
+    <p:sldId id="281" r:id="rId29"/>
+    <p:sldId id="286" r:id="rId30"/>
+    <p:sldId id="287" r:id="rId31"/>
+    <p:sldId id="289" r:id="rId32"/>
+    <p:sldId id="280" r:id="rId33"/>
+    <p:sldId id="282" r:id="rId34"/>
   </p:sldIdLst>
   <p:sldSz cx="12192000" cy="6858000"/>
   <p:notesSz cx="6858000" cy="9144000"/>
@@ -272,7 +276,7 @@
             <a:fld id="{846CE7D5-CF57-46EF-B807-FDD0502418D4}" type="datetimeFigureOut">
               <a:rPr lang="en-US" smtClean="0"/>
               <a:pPr/>
-              <a:t>8/13/2018</a:t>
+              <a:t>8/17/2018</a:t>
             </a:fld>
             <a:endParaRPr lang="en-US"/>
           </a:p>
@@ -444,7 +448,7 @@
             <a:fld id="{846CE7D5-CF57-46EF-B807-FDD0502418D4}" type="datetimeFigureOut">
               <a:rPr lang="en-US" smtClean="0"/>
               <a:pPr/>
-              <a:t>8/13/2018</a:t>
+              <a:t>8/17/2018</a:t>
             </a:fld>
             <a:endParaRPr lang="en-US"/>
           </a:p>
@@ -626,7 +630,7 @@
             <a:fld id="{846CE7D5-CF57-46EF-B807-FDD0502418D4}" type="datetimeFigureOut">
               <a:rPr lang="en-US" smtClean="0"/>
               <a:pPr/>
-              <a:t>8/13/2018</a:t>
+              <a:t>8/17/2018</a:t>
             </a:fld>
             <a:endParaRPr lang="en-US"/>
           </a:p>
@@ -798,7 +802,7 @@
             <a:fld id="{846CE7D5-CF57-46EF-B807-FDD0502418D4}" type="datetimeFigureOut">
               <a:rPr lang="en-US" smtClean="0"/>
               <a:pPr/>
-              <a:t>8/13/2018</a:t>
+              <a:t>8/17/2018</a:t>
             </a:fld>
             <a:endParaRPr lang="en-US"/>
           </a:p>
@@ -1046,7 +1050,7 @@
             <a:fld id="{846CE7D5-CF57-46EF-B807-FDD0502418D4}" type="datetimeFigureOut">
               <a:rPr lang="en-US" smtClean="0"/>
               <a:pPr/>
-              <a:t>8/13/2018</a:t>
+              <a:t>8/17/2018</a:t>
             </a:fld>
             <a:endParaRPr lang="en-US"/>
           </a:p>
@@ -1280,7 +1284,7 @@
             <a:fld id="{846CE7D5-CF57-46EF-B807-FDD0502418D4}" type="datetimeFigureOut">
               <a:rPr lang="en-US" smtClean="0"/>
               <a:pPr/>
-              <a:t>8/13/2018</a:t>
+              <a:t>8/17/2018</a:t>
             </a:fld>
             <a:endParaRPr lang="en-US"/>
           </a:p>
@@ -1649,7 +1653,7 @@
             <a:fld id="{846CE7D5-CF57-46EF-B807-FDD0502418D4}" type="datetimeFigureOut">
               <a:rPr lang="en-US" smtClean="0"/>
               <a:pPr/>
-              <a:t>8/13/2018</a:t>
+              <a:t>8/17/2018</a:t>
             </a:fld>
             <a:endParaRPr lang="en-US"/>
           </a:p>
@@ -1769,7 +1773,7 @@
             <a:fld id="{846CE7D5-CF57-46EF-B807-FDD0502418D4}" type="datetimeFigureOut">
               <a:rPr lang="en-US" smtClean="0"/>
               <a:pPr/>
-              <a:t>8/13/2018</a:t>
+              <a:t>8/17/2018</a:t>
             </a:fld>
             <a:endParaRPr lang="en-US"/>
           </a:p>
@@ -1866,7 +1870,7 @@
             <a:fld id="{846CE7D5-CF57-46EF-B807-FDD0502418D4}" type="datetimeFigureOut">
               <a:rPr lang="en-US" smtClean="0"/>
               <a:pPr/>
-              <a:t>8/13/2018</a:t>
+              <a:t>8/17/2018</a:t>
             </a:fld>
             <a:endParaRPr lang="en-US"/>
           </a:p>
@@ -2145,7 +2149,7 @@
             <a:fld id="{846CE7D5-CF57-46EF-B807-FDD0502418D4}" type="datetimeFigureOut">
               <a:rPr lang="en-US" smtClean="0"/>
               <a:pPr/>
-              <a:t>8/13/2018</a:t>
+              <a:t>8/17/2018</a:t>
             </a:fld>
             <a:endParaRPr lang="en-US"/>
           </a:p>
@@ -2404,7 +2408,7 @@
             <a:fld id="{846CE7D5-CF57-46EF-B807-FDD0502418D4}" type="datetimeFigureOut">
               <a:rPr lang="en-US" smtClean="0"/>
               <a:pPr/>
-              <a:t>8/13/2018</a:t>
+              <a:t>8/17/2018</a:t>
             </a:fld>
             <a:endParaRPr lang="en-US"/>
           </a:p>
@@ -2619,7 +2623,7 @@
             <a:fld id="{846CE7D5-CF57-46EF-B807-FDD0502418D4}" type="datetimeFigureOut">
               <a:rPr lang="en-US" smtClean="0"/>
               <a:pPr/>
-              <a:t>8/13/2018</a:t>
+              <a:t>8/17/2018</a:t>
             </a:fld>
             <a:endParaRPr lang="en-US"/>
           </a:p>
@@ -3971,11 +3975,7 @@
           <a:p>
             <a:r>
               <a:rPr lang="en-IN" dirty="0" smtClean="0"/>
-              <a:t>namespace that defines data replication on </a:t>
-            </a:r>
-            <a:r>
-              <a:rPr lang="en-IN" dirty="0" smtClean="0"/>
-              <a:t>nodes</a:t>
+              <a:t>namespace that defines data replication on nodes</a:t>
             </a:r>
           </a:p>
           <a:p>
@@ -3989,11 +3989,7 @@
             </a:r>
             <a:r>
               <a:rPr lang="en-IN" dirty="0" smtClean="0"/>
-              <a:t> per </a:t>
-            </a:r>
-            <a:r>
-              <a:rPr lang="en-IN" dirty="0" smtClean="0"/>
-              <a:t>node</a:t>
+              <a:t> per node</a:t>
             </a:r>
           </a:p>
           <a:p>
@@ -4153,7 +4149,6 @@
               <a:rPr lang="en-IN" dirty="0" smtClean="0"/>
               <a:t> </a:t>
             </a:r>
-            <a:endParaRPr lang="en-IN" dirty="0" smtClean="0"/>
           </a:p>
         </p:txBody>
       </p:sp>
@@ -4212,11 +4207,7 @@
             </a:r>
             <a:r>
               <a:rPr lang="en-IN" dirty="0" smtClean="0"/>
-              <a:t> location</a:t>
-            </a:r>
-            <a:r>
-              <a:rPr lang="en-IN" dirty="0" smtClean="0"/>
-              <a:t>)</a:t>
+              <a:t> location)</a:t>
             </a:r>
           </a:p>
         </p:txBody>
@@ -4316,11 +4307,7 @@
             </a:r>
             <a:r>
               <a:rPr lang="en-IN" dirty="0" smtClean="0"/>
-              <a:t> by walking the ring clockwise until reaching the first node in another </a:t>
-            </a:r>
-            <a:r>
-              <a:rPr lang="en-IN" dirty="0" smtClean="0"/>
-              <a:t>rack</a:t>
+              <a:t> by walking the ring clockwise until reaching the first node in another rack</a:t>
             </a:r>
           </a:p>
           <a:p>
@@ -4498,11 +4485,7 @@
             </a:r>
             <a:r>
               <a:rPr lang="en-IN" dirty="0" smtClean="0"/>
-              <a:t> and racks nodes belong </a:t>
-            </a:r>
-            <a:r>
-              <a:rPr lang="en-IN" dirty="0" smtClean="0"/>
-              <a:t>to</a:t>
+              <a:t> and racks nodes belong to</a:t>
             </a:r>
           </a:p>
           <a:p>
@@ -4516,21 +4499,13 @@
             </a:r>
             <a:r>
               <a:rPr lang="en-IN" dirty="0" smtClean="0"/>
-              <a:t> and </a:t>
-            </a:r>
-            <a:r>
-              <a:rPr lang="en-IN" dirty="0" smtClean="0"/>
-              <a:t>racks</a:t>
-            </a:r>
-          </a:p>
-          <a:p>
-            <a:r>
-              <a:rPr lang="en-IN" dirty="0" smtClean="0"/>
-              <a:t>replication strategy places the replicas based on the information provided by the new </a:t>
-            </a:r>
-            <a:r>
-              <a:rPr lang="en-IN" dirty="0" smtClean="0"/>
-              <a:t>snitch</a:t>
+              <a:t> and racks</a:t>
+            </a:r>
+          </a:p>
+          <a:p>
+            <a:r>
+              <a:rPr lang="en-IN" dirty="0" smtClean="0"/>
+              <a:t>replication strategy places the replicas based on the information provided by the new snitch</a:t>
             </a:r>
           </a:p>
           <a:p>
@@ -4635,11 +4610,7 @@
             </a:r>
             <a:r>
               <a:rPr lang="en-IN" dirty="0" smtClean="0"/>
-              <a:t> - Determines </a:t>
-            </a:r>
-            <a:r>
-              <a:rPr lang="en-IN" dirty="0" smtClean="0"/>
-              <a:t>the location of nodes by rack and </a:t>
+              <a:t> - Determines the location of nodes by rack and </a:t>
             </a:r>
             <a:r>
               <a:rPr lang="en-IN" dirty="0" err="1" smtClean="0"/>
@@ -4647,11 +4618,7 @@
             </a:r>
             <a:r>
               <a:rPr lang="en-IN" dirty="0" smtClean="0"/>
-              <a:t> corresponding to the IP </a:t>
-            </a:r>
-            <a:r>
-              <a:rPr lang="en-IN" dirty="0" smtClean="0"/>
-              <a:t>addresses(assumed to be 3</a:t>
+              <a:t> corresponding to the IP addresses(assumed to be 3</a:t>
             </a:r>
             <a:r>
               <a:rPr lang="en-IN" baseline="30000" dirty="0" smtClean="0"/>
@@ -4669,7 +4636,6 @@
               <a:rPr lang="en-IN" dirty="0" smtClean="0"/>
               <a:t> octet of each node’s IP).</a:t>
             </a:r>
-            <a:endParaRPr lang="en-IN" dirty="0" smtClean="0"/>
           </a:p>
           <a:p>
             <a:r>
@@ -4678,11 +4644,7 @@
             </a:r>
             <a:r>
               <a:rPr lang="en-IN" dirty="0" smtClean="0"/>
-              <a:t> - Determines </a:t>
-            </a:r>
-            <a:r>
-              <a:rPr lang="en-IN" dirty="0" smtClean="0"/>
-              <a:t>the location of nodes by rack and </a:t>
+              <a:t> - Determines the location of nodes by rack and </a:t>
             </a:r>
             <a:r>
               <a:rPr lang="en-IN" dirty="0" err="1" smtClean="0"/>
@@ -4716,48 +4678,19 @@
             </a:r>
             <a:r>
               <a:rPr lang="en-IN" dirty="0" smtClean="0"/>
-              <a:t> - Automatically </a:t>
-            </a:r>
-            <a:r>
-              <a:rPr lang="en-IN" dirty="0" smtClean="0"/>
-              <a:t>updates all nodes using gossip when adding new nodes and is recommended for production.</a:t>
-            </a:r>
-          </a:p>
-          <a:p>
-            <a:r>
-              <a:rPr lang="en-IN" dirty="0" smtClean="0"/>
-              <a:t>Ec2Snitch – For Amazon </a:t>
-            </a:r>
-            <a:r>
-              <a:rPr lang="en-IN" dirty="0" smtClean="0"/>
-              <a:t>EC2 in a single region</a:t>
-            </a:r>
-            <a:r>
-              <a:rPr lang="en-IN" dirty="0" smtClean="0"/>
-              <a:t>. Only private IPs are used. Loads region and availability zone information from EC2 API.</a:t>
-            </a:r>
-            <a:endParaRPr lang="en-IN" dirty="0" smtClean="0"/>
-          </a:p>
-          <a:p>
-            <a:r>
-              <a:rPr lang="en-IN" dirty="0" smtClean="0"/>
-              <a:t>Ec2MultiRegionSnitch - Amazon </a:t>
-            </a:r>
-            <a:r>
-              <a:rPr lang="en-IN" dirty="0" smtClean="0"/>
-              <a:t>EC2 </a:t>
-            </a:r>
-            <a:r>
-              <a:rPr lang="en-IN" dirty="0" smtClean="0"/>
-              <a:t>deployments where </a:t>
-            </a:r>
-            <a:r>
-              <a:rPr lang="en-IN" dirty="0" smtClean="0"/>
-              <a:t>the cluster spans multiple regions</a:t>
-            </a:r>
-            <a:r>
-              <a:rPr lang="en-IN" dirty="0" smtClean="0"/>
-              <a:t>. Uses public IPs as </a:t>
+              <a:t> - Automatically updates all nodes using gossip when adding new nodes and is recommended for production.</a:t>
+            </a:r>
+          </a:p>
+          <a:p>
+            <a:r>
+              <a:rPr lang="en-IN" dirty="0" smtClean="0"/>
+              <a:t>Ec2Snitch – For Amazon EC2 in a single region. Only private IPs are used. Loads region and availability zone information from EC2 API.</a:t>
+            </a:r>
+          </a:p>
+          <a:p>
+            <a:r>
+              <a:rPr lang="en-IN" dirty="0" smtClean="0"/>
+              <a:t>Ec2MultiRegionSnitch - Amazon EC2 deployments where the cluster spans multiple regions. Uses public IPs as </a:t>
             </a:r>
             <a:r>
               <a:rPr lang="en-IN" i="1" dirty="0" err="1" smtClean="0"/>
@@ -4767,7 +4700,6 @@
               <a:rPr lang="en-IN" dirty="0" smtClean="0"/>
               <a:t> to allow cross region connectivity.</a:t>
             </a:r>
-            <a:endParaRPr lang="en-IN" dirty="0" smtClean="0"/>
           </a:p>
           <a:p>
             <a:r>
@@ -4776,11 +4708,7 @@
             </a:r>
             <a:r>
               <a:rPr lang="en-IN" dirty="0" smtClean="0"/>
-              <a:t> - Use </a:t>
-            </a:r>
-            <a:r>
-              <a:rPr lang="en-IN" dirty="0" smtClean="0"/>
-              <a:t>the </a:t>
+              <a:t> - Use the </a:t>
             </a:r>
             <a:r>
               <a:rPr lang="en-IN" dirty="0" err="1" smtClean="0"/>
@@ -4798,11 +4726,7 @@
             </a:r>
             <a:r>
               <a:rPr lang="en-IN" dirty="0" smtClean="0"/>
-              <a:t> - Use </a:t>
-            </a:r>
-            <a:r>
-              <a:rPr lang="en-IN" dirty="0" smtClean="0"/>
-              <a:t>the </a:t>
+              <a:t> - Use the </a:t>
             </a:r>
             <a:r>
               <a:rPr lang="en-IN" dirty="0" err="1" smtClean="0"/>
@@ -4851,13 +4775,7 @@
       </p:grpSpPr>
       <p:sp>
         <p:nvSpPr>
-          <p:cNvPr id="2" name="Title 1">
-            <a:extLst>
-              <a:ext uri="{FF2B5EF4-FFF2-40B4-BE49-F238E27FC236}">
-                <a16:creationId xmlns:a16="http://schemas.microsoft.com/office/drawing/2014/main" xmlns="" id="{B543C8B4-D8EE-4B4D-A8B9-A7C21FD9683A}"/>
-              </a:ext>
-            </a:extLst>
-          </p:cNvPr>
+          <p:cNvPr id="2" name="Title 1"/>
           <p:cNvSpPr>
             <a:spLocks noGrp="1"/>
           </p:cNvSpPr>
@@ -4871,130 +4789,41 @@
           <a:lstStyle/>
           <a:p>
             <a:r>
-              <a:rPr lang="en-US">
-                <a:cs typeface="Calibri Light"/>
-              </a:rPr>
-              <a:t>CQL</a:t>
-            </a:r>
-            <a:endParaRPr lang="en-US"/>
-          </a:p>
-        </p:txBody>
-      </p:sp>
-      <p:sp>
-        <p:nvSpPr>
-          <p:cNvPr id="3" name="Content Placeholder 2">
-            <a:extLst>
-              <a:ext uri="{FF2B5EF4-FFF2-40B4-BE49-F238E27FC236}">
-                <a16:creationId xmlns:a16="http://schemas.microsoft.com/office/drawing/2014/main" xmlns="" id="{594D8008-B421-4694-B539-48A6D8CC596E}"/>
-              </a:ext>
-            </a:extLst>
-          </p:cNvPr>
-          <p:cNvSpPr>
-            <a:spLocks noGrp="1"/>
-          </p:cNvSpPr>
+              <a:rPr lang="en-IN" dirty="0" err="1" smtClean="0"/>
+              <a:t>Datacenter</a:t>
+            </a:r>
+            <a:r>
+              <a:rPr lang="en-IN" dirty="0" smtClean="0"/>
+              <a:t> and nodes</a:t>
+            </a:r>
+            <a:endParaRPr lang="en-IN" dirty="0"/>
+          </a:p>
+        </p:txBody>
+      </p:sp>
+      <p:pic>
+        <p:nvPicPr>
+          <p:cNvPr id="4" name="Content Placeholder 3" descr="datacenters.JPG"/>
+          <p:cNvPicPr>
+            <a:picLocks noGrp="1" noChangeAspect="1"/>
+          </p:cNvPicPr>
           <p:nvPr>
             <p:ph idx="1"/>
           </p:nvPr>
-        </p:nvSpPr>
-        <p:spPr/>
-        <p:txBody>
-          <a:bodyPr vert="horz" lIns="91440" tIns="45720" rIns="91440" bIns="45720" rtlCol="0" anchor="t">
-            <a:normAutofit fontScale="92500" lnSpcReduction="10000"/>
-          </a:bodyPr>
-          <a:lstStyle/>
-          <a:p>
-            <a:r>
-              <a:rPr lang="en-US">
-                <a:cs typeface="Calibri"/>
-              </a:rPr>
-              <a:t>Data Definition statements, to define and change how the data is stored (keyspaces and tables).</a:t>
-            </a:r>
-          </a:p>
-          <a:p>
-            <a:r>
-              <a:rPr lang="en-US">
-                <a:cs typeface="Calibri"/>
-              </a:rPr>
-              <a:t>Data Manipulation statements, for selecting, inserting and deleting data.</a:t>
-            </a:r>
-            <a:endParaRPr lang="en-US"/>
-          </a:p>
-          <a:p>
-            <a:r>
-              <a:rPr lang="en-US">
-                <a:cs typeface="Calibri"/>
-              </a:rPr>
-              <a:t>Secondary Indexes statements.</a:t>
-            </a:r>
-            <a:endParaRPr lang="en-US"/>
-          </a:p>
-          <a:p>
-            <a:r>
-              <a:rPr lang="en-US">
-                <a:cs typeface="Calibri"/>
-              </a:rPr>
-              <a:t>Materialized Views statements.</a:t>
-            </a:r>
-            <a:endParaRPr lang="en-US"/>
-          </a:p>
-          <a:p>
-            <a:r>
-              <a:rPr lang="en-US">
-                <a:cs typeface="Calibri"/>
-              </a:rPr>
-              <a:t>Database Roles statements.</a:t>
-            </a:r>
-            <a:endParaRPr lang="en-US"/>
-          </a:p>
-          <a:p>
-            <a:r>
-              <a:rPr lang="en-US">
-                <a:cs typeface="Calibri"/>
-              </a:rPr>
-              <a:t>Permissions statements.</a:t>
-            </a:r>
-            <a:endParaRPr lang="en-US"/>
-          </a:p>
-          <a:p>
-            <a:r>
-              <a:rPr lang="en-US">
-                <a:cs typeface="Calibri"/>
-              </a:rPr>
-              <a:t>User-Defined Functions statements.</a:t>
-            </a:r>
-            <a:endParaRPr lang="en-US"/>
-          </a:p>
-          <a:p>
-            <a:r>
-              <a:rPr lang="en-US">
-                <a:cs typeface="Calibri"/>
-              </a:rPr>
-              <a:t>User-Defined Types statements.</a:t>
-            </a:r>
-            <a:endParaRPr lang="en-US"/>
-          </a:p>
-          <a:p>
-            <a:r>
-              <a:rPr lang="en-US">
-                <a:cs typeface="Calibri"/>
-              </a:rPr>
-              <a:t>Triggers statements.</a:t>
-            </a:r>
-            <a:endParaRPr lang="en-US"/>
-          </a:p>
-          <a:p>
-            <a:endParaRPr lang="en-US" dirty="0">
-              <a:cs typeface="Calibri"/>
-            </a:endParaRPr>
-          </a:p>
-        </p:txBody>
-      </p:sp>
+        </p:nvPicPr>
+        <p:blipFill>
+          <a:blip r:embed="rId2" cstate="print"/>
+          <a:stretch>
+            <a:fillRect/>
+          </a:stretch>
+        </p:blipFill>
+        <p:spPr>
+          <a:xfrm>
+            <a:off x="455913" y="2033027"/>
+            <a:ext cx="10273606" cy="2316896"/>
+          </a:xfrm>
+        </p:spPr>
+      </p:pic>
     </p:spTree>
-    <p:extLst>
-      <p:ext uri="{BB962C8B-B14F-4D97-AF65-F5344CB8AC3E}">
-        <p14:creationId xmlns:p14="http://schemas.microsoft.com/office/powerpoint/2010/main" xmlns="" val="2983500613"/>
-      </p:ext>
-    </p:extLst>
   </p:cSld>
   <p:clrMapOvr>
     <a:masterClrMapping/>
@@ -5021,7 +4850,13 @@
       </p:grpSpPr>
       <p:sp>
         <p:nvSpPr>
-          <p:cNvPr id="2" name="Title 1"/>
+          <p:cNvPr id="2" name="Title 1">
+            <a:extLst>
+              <a:ext uri="{FF2B5EF4-FFF2-40B4-BE49-F238E27FC236}">
+                <a16:creationId xmlns:a16="http://schemas.microsoft.com/office/drawing/2014/main" xmlns="" id="{B543C8B4-D8EE-4B4D-A8B9-A7C21FD9683A}"/>
+              </a:ext>
+            </a:extLst>
+          </p:cNvPr>
           <p:cNvSpPr>
             <a:spLocks noGrp="1"/>
           </p:cNvSpPr>
@@ -5035,16 +4870,24 @@
           <a:lstStyle/>
           <a:p>
             <a:r>
-              <a:rPr lang="en-IN" dirty="0" smtClean="0"/>
-              <a:t>CQL literals and data types</a:t>
-            </a:r>
-            <a:endParaRPr lang="en-IN" dirty="0"/>
-          </a:p>
-        </p:txBody>
-      </p:sp>
-      <p:sp>
-        <p:nvSpPr>
-          <p:cNvPr id="3" name="Content Placeholder 2"/>
+              <a:rPr lang="en-US">
+                <a:cs typeface="Calibri Light"/>
+              </a:rPr>
+              <a:t>CQL</a:t>
+            </a:r>
+            <a:endParaRPr lang="en-US"/>
+          </a:p>
+        </p:txBody>
+      </p:sp>
+      <p:sp>
+        <p:nvSpPr>
+          <p:cNvPr id="3" name="Content Placeholder 2">
+            <a:extLst>
+              <a:ext uri="{FF2B5EF4-FFF2-40B4-BE49-F238E27FC236}">
+                <a16:creationId xmlns:a16="http://schemas.microsoft.com/office/drawing/2014/main" xmlns="" id="{594D8008-B421-4694-B539-48A6D8CC596E}"/>
+              </a:ext>
+            </a:extLst>
+          </p:cNvPr>
           <p:cNvSpPr>
             <a:spLocks noGrp="1"/>
           </p:cNvSpPr>
@@ -5054,188 +4897,103 @@
         </p:nvSpPr>
         <p:spPr/>
         <p:txBody>
-          <a:bodyPr>
-            <a:normAutofit fontScale="47500" lnSpcReduction="20000"/>
+          <a:bodyPr vert="horz" lIns="91440" tIns="45720" rIns="91440" bIns="45720" rtlCol="0" anchor="t">
+            <a:normAutofit fontScale="92500" lnSpcReduction="10000"/>
           </a:bodyPr>
           <a:lstStyle/>
           <a:p>
             <a:r>
-              <a:rPr lang="en-IN" dirty="0" smtClean="0"/>
-              <a:t>b</a:t>
-            </a:r>
-            <a:r>
-              <a:rPr lang="en-IN" dirty="0" smtClean="0"/>
-              <a:t>lob - </a:t>
-            </a:r>
-            <a:r>
-              <a:rPr lang="en-IN" dirty="0" smtClean="0"/>
-              <a:t>hexadecimal defined as 0[</a:t>
-            </a:r>
-            <a:r>
-              <a:rPr lang="en-IN" dirty="0" err="1" smtClean="0"/>
-              <a:t>xX</a:t>
-            </a:r>
-            <a:r>
-              <a:rPr lang="en-IN" dirty="0" smtClean="0"/>
-              <a:t>](hex)+  ex: 0x0000000000000003</a:t>
-            </a:r>
-            <a:endParaRPr lang="en-IN" dirty="0" smtClean="0"/>
-          </a:p>
-          <a:p>
-            <a:r>
-              <a:rPr lang="en-IN" dirty="0" err="1" smtClean="0"/>
-              <a:t>boolean</a:t>
-            </a:r>
-            <a:endParaRPr lang="en-IN" dirty="0" smtClean="0"/>
-          </a:p>
-          <a:p>
-            <a:r>
-              <a:rPr lang="en-IN" dirty="0" smtClean="0"/>
-              <a:t>Decimal – integer, floats</a:t>
-            </a:r>
-          </a:p>
-          <a:p>
-            <a:r>
-              <a:rPr lang="en-IN" dirty="0" smtClean="0"/>
-              <a:t>Identifier - </a:t>
-            </a:r>
-            <a:r>
-              <a:rPr lang="en-IN" dirty="0" smtClean="0"/>
-              <a:t>Names of tables, columns, types, and other objects are </a:t>
-            </a:r>
-            <a:r>
-              <a:rPr lang="en-IN" dirty="0" smtClean="0"/>
-              <a:t>identifiers</a:t>
-            </a:r>
-          </a:p>
-          <a:p>
-            <a:r>
-              <a:rPr lang="en-IN" dirty="0" smtClean="0"/>
-              <a:t>Integer, </a:t>
-            </a:r>
-            <a:r>
-              <a:rPr lang="en-IN" dirty="0" err="1" smtClean="0"/>
-              <a:t>bigint</a:t>
-            </a:r>
-            <a:r>
-              <a:rPr lang="en-IN" dirty="0" smtClean="0"/>
-              <a:t>, counter, </a:t>
-            </a:r>
-            <a:r>
-              <a:rPr lang="en-IN" dirty="0" err="1" smtClean="0"/>
-              <a:t>smallint</a:t>
-            </a:r>
-            <a:r>
-              <a:rPr lang="en-IN" dirty="0" smtClean="0"/>
-              <a:t>, </a:t>
-            </a:r>
-            <a:r>
-              <a:rPr lang="en-IN" dirty="0" err="1" smtClean="0"/>
-              <a:t>tinyint</a:t>
-            </a:r>
-            <a:r>
-              <a:rPr lang="en-IN" dirty="0" smtClean="0"/>
-              <a:t>, </a:t>
-            </a:r>
-            <a:r>
-              <a:rPr lang="en-IN" dirty="0" err="1" smtClean="0"/>
-              <a:t>varint</a:t>
-            </a:r>
-            <a:endParaRPr lang="en-IN" dirty="0" smtClean="0"/>
-          </a:p>
-          <a:p>
-            <a:r>
-              <a:rPr lang="en-IN" dirty="0" smtClean="0"/>
-              <a:t>frozen</a:t>
-            </a:r>
-          </a:p>
-          <a:p>
-            <a:r>
-              <a:rPr lang="en-IN" dirty="0" smtClean="0"/>
-              <a:t>String literal, text, </a:t>
-            </a:r>
-            <a:r>
-              <a:rPr lang="en-IN" dirty="0" err="1" smtClean="0"/>
-              <a:t>varchar</a:t>
-            </a:r>
-            <a:endParaRPr lang="en-IN" dirty="0" smtClean="0"/>
-          </a:p>
-          <a:p>
-            <a:r>
-              <a:rPr lang="en-IN" dirty="0" err="1" smtClean="0"/>
-              <a:t>Uuid</a:t>
-            </a:r>
-            <a:r>
-              <a:rPr lang="en-IN" dirty="0" smtClean="0"/>
-              <a:t> – 32 hex digits</a:t>
-            </a:r>
-          </a:p>
-          <a:p>
-            <a:r>
-              <a:rPr lang="en-IN" dirty="0" smtClean="0"/>
-              <a:t>Date, time, timestamp</a:t>
-            </a:r>
-          </a:p>
-          <a:p>
-            <a:r>
-              <a:rPr lang="en-IN" dirty="0" smtClean="0"/>
-              <a:t>List, map, set, </a:t>
-            </a:r>
-            <a:r>
-              <a:rPr lang="en-IN" dirty="0" err="1" smtClean="0"/>
-              <a:t>tuple</a:t>
-            </a:r>
-            <a:r>
-              <a:rPr lang="en-IN" dirty="0" smtClean="0"/>
-              <a:t>(group of 2-3 fields)</a:t>
-            </a:r>
-          </a:p>
-          <a:p>
-            <a:r>
-              <a:rPr lang="en-IN" dirty="0" err="1" smtClean="0"/>
-              <a:t>Timeuuid</a:t>
-            </a:r>
-            <a:r>
-              <a:rPr lang="en-IN" dirty="0" smtClean="0"/>
-              <a:t> - </a:t>
-            </a:r>
-            <a:r>
-              <a:rPr lang="en-IN" dirty="0" smtClean="0"/>
-              <a:t>Uses the time in 100 nanosecond intervals since 00:00:00.00 UTC (60 bits), a clock sequence number for prevention of duplicates (14 bits), plus the IEEE 801 MAC address (48 bits) to generate a unique identifier. </a:t>
-            </a:r>
-            <a:r>
-              <a:rPr lang="en-IN" dirty="0" smtClean="0"/>
-              <a:t>Ex: d2177dd0-eaa2-11de-a572-001b779c76e3</a:t>
-            </a:r>
-          </a:p>
-          <a:p>
-            <a:r>
-              <a:rPr lang="en-IN" dirty="0" smtClean="0"/>
-              <a:t>Whitespace – inside string literals, otherwise ignore</a:t>
-            </a:r>
-          </a:p>
-          <a:p>
-            <a:r>
-              <a:rPr lang="en-IN" dirty="0" smtClean="0"/>
-              <a:t>Supports exponential notation - -2.6034345E+38</a:t>
-            </a:r>
-          </a:p>
-          <a:p>
-            <a:r>
-              <a:rPr lang="en-IN" dirty="0" smtClean="0"/>
-              <a:t>Comment - //, --, /**/</a:t>
-            </a:r>
-          </a:p>
-          <a:p>
-            <a:r>
-              <a:rPr lang="en-IN" dirty="0" smtClean="0"/>
-              <a:t>User defined type</a:t>
-            </a:r>
-            <a:endParaRPr lang="en-IN" dirty="0" smtClean="0"/>
+              <a:rPr lang="en-US">
+                <a:cs typeface="Calibri"/>
+              </a:rPr>
+              <a:t>Data Definition statements, to define and change how the data is stored (keyspaces and tables).</a:t>
+            </a:r>
+          </a:p>
+          <a:p>
+            <a:r>
+              <a:rPr lang="en-US">
+                <a:cs typeface="Calibri"/>
+              </a:rPr>
+              <a:t>Data Manipulation statements, for selecting, inserting and deleting data.</a:t>
+            </a:r>
+            <a:endParaRPr lang="en-US"/>
+          </a:p>
+          <a:p>
+            <a:r>
+              <a:rPr lang="en-US">
+                <a:cs typeface="Calibri"/>
+              </a:rPr>
+              <a:t>Secondary Indexes statements.</a:t>
+            </a:r>
+            <a:endParaRPr lang="en-US"/>
+          </a:p>
+          <a:p>
+            <a:r>
+              <a:rPr lang="en-US">
+                <a:cs typeface="Calibri"/>
+              </a:rPr>
+              <a:t>Materialized Views statements.</a:t>
+            </a:r>
+            <a:endParaRPr lang="en-US"/>
+          </a:p>
+          <a:p>
+            <a:r>
+              <a:rPr lang="en-US">
+                <a:cs typeface="Calibri"/>
+              </a:rPr>
+              <a:t>Database Roles statements.</a:t>
+            </a:r>
+            <a:endParaRPr lang="en-US"/>
+          </a:p>
+          <a:p>
+            <a:r>
+              <a:rPr lang="en-US">
+                <a:cs typeface="Calibri"/>
+              </a:rPr>
+              <a:t>Permissions statements.</a:t>
+            </a:r>
+            <a:endParaRPr lang="en-US"/>
+          </a:p>
+          <a:p>
+            <a:r>
+              <a:rPr lang="en-US">
+                <a:cs typeface="Calibri"/>
+              </a:rPr>
+              <a:t>User-Defined Functions statements.</a:t>
+            </a:r>
+            <a:endParaRPr lang="en-US"/>
+          </a:p>
+          <a:p>
+            <a:r>
+              <a:rPr lang="en-US">
+                <a:cs typeface="Calibri"/>
+              </a:rPr>
+              <a:t>User-Defined Types statements.</a:t>
+            </a:r>
+            <a:endParaRPr lang="en-US"/>
+          </a:p>
+          <a:p>
+            <a:r>
+              <a:rPr lang="en-US">
+                <a:cs typeface="Calibri"/>
+              </a:rPr>
+              <a:t>Triggers statements.</a:t>
+            </a:r>
+            <a:endParaRPr lang="en-US"/>
+          </a:p>
+          <a:p>
+            <a:endParaRPr lang="en-US" dirty="0">
+              <a:cs typeface="Calibri"/>
+            </a:endParaRPr>
           </a:p>
         </p:txBody>
       </p:sp>
     </p:spTree>
+    <p:extLst>
+      <p:ext uri="{BB962C8B-B14F-4D97-AF65-F5344CB8AC3E}">
+        <p14:creationId xmlns:p14="http://schemas.microsoft.com/office/powerpoint/2010/main" xmlns="" val="2983500613"/>
+      </p:ext>
+    </p:extLst>
   </p:cSld>
   <p:clrMapOvr>
     <a:masterClrMapping/>
@@ -5277,7 +5035,7 @@
           <a:p>
             <a:r>
               <a:rPr lang="en-IN" dirty="0" smtClean="0"/>
-              <a:t>CQL limits</a:t>
+              <a:t>CQL literals and data types</a:t>
             </a:r>
             <a:endParaRPr lang="en-IN" dirty="0"/>
           </a:p>
@@ -5296,99 +5054,114 @@
         <p:spPr/>
         <p:txBody>
           <a:bodyPr>
-            <a:normAutofit fontScale="70000" lnSpcReduction="20000"/>
+            <a:normAutofit fontScale="47500" lnSpcReduction="20000"/>
           </a:bodyPr>
           <a:lstStyle/>
           <a:p>
             <a:r>
               <a:rPr lang="en-IN" dirty="0" smtClean="0"/>
-              <a:t>Cells in a partition: ~2 billion (2</a:t>
-            </a:r>
-            <a:r>
-              <a:rPr lang="en-IN" baseline="30000" dirty="0" smtClean="0"/>
-              <a:t>31</a:t>
-            </a:r>
-            <a:r>
-              <a:rPr lang="en-IN" dirty="0" smtClean="0"/>
-              <a:t>); single column value size: 2 GB ( 1 MB is recommended)</a:t>
-            </a:r>
-          </a:p>
-          <a:p>
-            <a:r>
-              <a:rPr lang="en-IN" dirty="0" smtClean="0"/>
-              <a:t>Clustering column value, length of: 65535 (2</a:t>
-            </a:r>
-            <a:r>
-              <a:rPr lang="en-IN" baseline="30000" dirty="0" smtClean="0"/>
-              <a:t>16</a:t>
-            </a:r>
-            <a:r>
-              <a:rPr lang="en-IN" dirty="0" smtClean="0"/>
-              <a:t>-1)</a:t>
-            </a:r>
-          </a:p>
-          <a:p>
-            <a:r>
-              <a:rPr lang="en-IN" dirty="0" smtClean="0"/>
-              <a:t>Key length: 65535 (2</a:t>
-            </a:r>
-            <a:r>
-              <a:rPr lang="en-IN" baseline="30000" dirty="0" smtClean="0"/>
-              <a:t>16</a:t>
-            </a:r>
-            <a:r>
-              <a:rPr lang="en-IN" dirty="0" smtClean="0"/>
-              <a:t>-1)</a:t>
-            </a:r>
-          </a:p>
-          <a:p>
-            <a:r>
-              <a:rPr lang="en-IN" dirty="0" smtClean="0"/>
-              <a:t>Table / CF name length: 48 characters</a:t>
-            </a:r>
-          </a:p>
-          <a:p>
+              <a:t>blob - hexadecimal defined as 0[</a:t>
+            </a:r>
             <a:r>
               <a:rPr lang="en-IN" dirty="0" err="1" smtClean="0"/>
-              <a:t>Keyspace</a:t>
-            </a:r>
-            <a:r>
-              <a:rPr lang="en-IN" dirty="0" smtClean="0"/>
-              <a:t> name length: 48 characters</a:t>
-            </a:r>
-          </a:p>
-          <a:p>
-            <a:r>
-              <a:rPr lang="en-IN" dirty="0" smtClean="0"/>
-              <a:t>Query parameters in a query: 65535 (2</a:t>
-            </a:r>
-            <a:r>
-              <a:rPr lang="en-IN" baseline="30000" dirty="0" smtClean="0"/>
-              <a:t>16</a:t>
-            </a:r>
-            <a:r>
-              <a:rPr lang="en-IN" dirty="0" smtClean="0"/>
-              <a:t>-1)</a:t>
-            </a:r>
-          </a:p>
-          <a:p>
-            <a:r>
-              <a:rPr lang="en-IN" dirty="0" smtClean="0"/>
-              <a:t>Statements in a batch: 65535 (2</a:t>
-            </a:r>
-            <a:r>
-              <a:rPr lang="en-IN" baseline="30000" dirty="0" smtClean="0"/>
-              <a:t>16</a:t>
-            </a:r>
-            <a:r>
-              <a:rPr lang="en-IN" dirty="0" smtClean="0"/>
-              <a:t>-1)</a:t>
-            </a:r>
-          </a:p>
-          <a:p>
-            <a:r>
-              <a:rPr lang="en-IN" dirty="0" smtClean="0"/>
-              <a:t>Fields in a </a:t>
+              <a:t>xX</a:t>
+            </a:r>
+            <a:r>
+              <a:rPr lang="en-IN" dirty="0" smtClean="0"/>
+              <a:t>](hex)+  ex: 0x0000000000000003</a:t>
+            </a:r>
+          </a:p>
+          <a:p>
+            <a:r>
+              <a:rPr lang="en-IN" dirty="0" err="1" smtClean="0"/>
+              <a:t>boolean</a:t>
+            </a:r>
+            <a:endParaRPr lang="en-IN" dirty="0" smtClean="0"/>
+          </a:p>
+          <a:p>
+            <a:r>
+              <a:rPr lang="en-IN" dirty="0" smtClean="0"/>
+              <a:t>Decimal – integer, floats</a:t>
+            </a:r>
+          </a:p>
+          <a:p>
+            <a:r>
+              <a:rPr lang="en-IN" dirty="0" smtClean="0"/>
+              <a:t>Identifier - Names of tables, columns, types, and other objects are identifiers</a:t>
+            </a:r>
+          </a:p>
+          <a:p>
+            <a:r>
+              <a:rPr lang="en-IN" dirty="0" smtClean="0"/>
+              <a:t>Integer, </a:t>
+            </a:r>
+            <a:r>
+              <a:rPr lang="en-IN" dirty="0" err="1" smtClean="0"/>
+              <a:t>bigint</a:t>
+            </a:r>
+            <a:r>
+              <a:rPr lang="en-IN" dirty="0" smtClean="0"/>
+              <a:t>, counter, </a:t>
+            </a:r>
+            <a:r>
+              <a:rPr lang="en-IN" dirty="0" err="1" smtClean="0"/>
+              <a:t>smallint</a:t>
+            </a:r>
+            <a:r>
+              <a:rPr lang="en-IN" dirty="0" smtClean="0"/>
+              <a:t>, </a:t>
+            </a:r>
+            <a:r>
+              <a:rPr lang="en-IN" dirty="0" err="1" smtClean="0"/>
+              <a:t>tinyint</a:t>
+            </a:r>
+            <a:r>
+              <a:rPr lang="en-IN" dirty="0" smtClean="0"/>
+              <a:t>, </a:t>
+            </a:r>
+            <a:r>
+              <a:rPr lang="en-IN" dirty="0" err="1" smtClean="0"/>
+              <a:t>varint</a:t>
+            </a:r>
+            <a:endParaRPr lang="en-IN" dirty="0" smtClean="0"/>
+          </a:p>
+          <a:p>
+            <a:r>
+              <a:rPr lang="en-IN" dirty="0" smtClean="0"/>
+              <a:t>frozen</a:t>
+            </a:r>
+          </a:p>
+          <a:p>
+            <a:r>
+              <a:rPr lang="en-IN" dirty="0" smtClean="0"/>
+              <a:t>String literal, text, </a:t>
+            </a:r>
+            <a:r>
+              <a:rPr lang="en-IN" dirty="0" err="1" smtClean="0"/>
+              <a:t>varchar</a:t>
+            </a:r>
+            <a:endParaRPr lang="en-IN" dirty="0" smtClean="0"/>
+          </a:p>
+          <a:p>
+            <a:r>
+              <a:rPr lang="en-IN" dirty="0" err="1" smtClean="0"/>
+              <a:t>Uuid</a:t>
+            </a:r>
+            <a:r>
+              <a:rPr lang="en-IN" dirty="0" smtClean="0"/>
+              <a:t> – 32 hex digits</a:t>
+            </a:r>
+          </a:p>
+          <a:p>
+            <a:r>
+              <a:rPr lang="en-IN" dirty="0" smtClean="0"/>
+              <a:t>Date, time, timestamp</a:t>
+            </a:r>
+          </a:p>
+          <a:p>
+            <a:r>
+              <a:rPr lang="en-IN" dirty="0" smtClean="0"/>
+              <a:t>List, map, set, </a:t>
             </a:r>
             <a:r>
               <a:rPr lang="en-IN" dirty="0" err="1" smtClean="0"/>
@@ -5396,101 +5169,42 @@
             </a:r>
             <a:r>
               <a:rPr lang="en-IN" dirty="0" smtClean="0"/>
-              <a:t>: 32768 (2</a:t>
-            </a:r>
-            <a:r>
-              <a:rPr lang="en-IN" baseline="30000" dirty="0" smtClean="0"/>
-              <a:t>15</a:t>
-            </a:r>
-            <a:r>
-              <a:rPr lang="en-IN" dirty="0" smtClean="0"/>
-              <a:t>) (just a few fields, such as 2-10, are recommended)</a:t>
-            </a:r>
-          </a:p>
-          <a:p>
-            <a:r>
-              <a:rPr lang="en-IN" dirty="0" smtClean="0"/>
-              <a:t>Collection (List): collection limit: ~2 billion (2</a:t>
-            </a:r>
-            <a:r>
-              <a:rPr lang="en-IN" baseline="30000" dirty="0" smtClean="0"/>
-              <a:t>31</a:t>
-            </a:r>
-            <a:r>
-              <a:rPr lang="en-IN" dirty="0" smtClean="0"/>
-              <a:t>); values size: 65535 (2</a:t>
-            </a:r>
-            <a:r>
-              <a:rPr lang="en-IN" baseline="30000" dirty="0" smtClean="0"/>
-              <a:t>16</a:t>
-            </a:r>
-            <a:r>
-              <a:rPr lang="en-IN" dirty="0" smtClean="0"/>
-              <a:t>-1)</a:t>
-            </a:r>
-          </a:p>
-          <a:p>
-            <a:r>
-              <a:rPr lang="en-IN" dirty="0" smtClean="0"/>
-              <a:t>Collection (Set): collection limit: ~2 billion (2</a:t>
-            </a:r>
-            <a:r>
-              <a:rPr lang="en-IN" baseline="30000" dirty="0" smtClean="0"/>
-              <a:t>31</a:t>
-            </a:r>
-            <a:r>
-              <a:rPr lang="en-IN" dirty="0" smtClean="0"/>
-              <a:t>); values size: 65535 (2</a:t>
-            </a:r>
-            <a:r>
-              <a:rPr lang="en-IN" baseline="30000" dirty="0" smtClean="0"/>
-              <a:t>16</a:t>
-            </a:r>
-            <a:r>
-              <a:rPr lang="en-IN" dirty="0" smtClean="0"/>
-              <a:t>-1)</a:t>
-            </a:r>
-          </a:p>
-          <a:p>
-            <a:r>
-              <a:rPr lang="en-IN" dirty="0" smtClean="0"/>
-              <a:t>Collection (Map): collection limit: ~2 billion (2</a:t>
-            </a:r>
-            <a:r>
-              <a:rPr lang="en-IN" baseline="30000" dirty="0" smtClean="0"/>
-              <a:t>31</a:t>
-            </a:r>
-            <a:r>
-              <a:rPr lang="en-IN" dirty="0" smtClean="0"/>
-              <a:t>); number of keys: 65535 (2</a:t>
-            </a:r>
-            <a:r>
-              <a:rPr lang="en-IN" baseline="30000" dirty="0" smtClean="0"/>
-              <a:t>16</a:t>
-            </a:r>
-            <a:r>
-              <a:rPr lang="en-IN" dirty="0" smtClean="0"/>
-              <a:t>-1); values size: 65535 (2</a:t>
-            </a:r>
-            <a:r>
-              <a:rPr lang="en-IN" baseline="30000" dirty="0" smtClean="0"/>
-              <a:t>16</a:t>
-            </a:r>
-            <a:r>
-              <a:rPr lang="en-IN" dirty="0" smtClean="0"/>
-              <a:t>-1)</a:t>
-            </a:r>
-          </a:p>
-          <a:p>
-            <a:r>
-              <a:rPr lang="en-IN" dirty="0" smtClean="0"/>
-              <a:t>Blob size: 2 GB ( less than 1 MB is recommended</a:t>
-            </a:r>
-            <a:r>
-              <a:rPr lang="en-IN" dirty="0" smtClean="0"/>
-              <a:t>)</a:t>
-            </a:r>
-            <a:endParaRPr lang="en-IN" dirty="0" smtClean="0"/>
+              <a:t>(group of 2-3 fields)</a:t>
+            </a:r>
+          </a:p>
+          <a:p>
+            <a:r>
+              <a:rPr lang="en-IN" dirty="0" err="1" smtClean="0"/>
+              <a:t>Timeuuid</a:t>
+            </a:r>
+            <a:r>
+              <a:rPr lang="en-IN" dirty="0" smtClean="0"/>
+              <a:t> - Uses the time in 100 nanosecond intervals since 00:00:00.00 UTC (60 bits), a clock sequence number for prevention of duplicates (14 bits), plus the IEEE 801 MAC address (48 bits) to generate a unique identifier. Ex: d2177dd0-eaa2-11de-a572-001b779c76e3</a:t>
+            </a:r>
+          </a:p>
+          <a:p>
+            <a:r>
+              <a:rPr lang="en-IN" dirty="0" smtClean="0"/>
+              <a:t>Whitespace – inside string literals, otherwise ignore</a:t>
+            </a:r>
+          </a:p>
+          <a:p>
+            <a:r>
+              <a:rPr lang="en-IN" dirty="0" smtClean="0"/>
+              <a:t>Supports exponential notation - -2.6034345E+38</a:t>
+            </a:r>
+          </a:p>
+          <a:p>
+            <a:r>
+              <a:rPr lang="en-IN" dirty="0" smtClean="0"/>
+              <a:t>Comment - //, --, /**/</a:t>
+            </a:r>
+          </a:p>
+          <a:p>
+            <a:r>
+              <a:rPr lang="en-IN" dirty="0" smtClean="0"/>
+              <a:t>User defined type</a:t>
+            </a:r>
           </a:p>
         </p:txBody>
       </p:sp>
@@ -5536,7 +5250,7 @@
           <a:p>
             <a:r>
               <a:rPr lang="en-IN" dirty="0" smtClean="0"/>
-              <a:t>CQL shell commands</a:t>
+              <a:t>CQL limits</a:t>
             </a:r>
             <a:endParaRPr lang="en-IN" dirty="0"/>
           </a:p>
@@ -5555,420 +5269,196 @@
         <p:spPr/>
         <p:txBody>
           <a:bodyPr>
-            <a:normAutofit fontScale="55000" lnSpcReduction="20000"/>
+            <a:normAutofit fontScale="70000" lnSpcReduction="20000"/>
           </a:bodyPr>
           <a:lstStyle/>
           <a:p>
             <a:r>
               <a:rPr lang="en-IN" dirty="0" smtClean="0"/>
-              <a:t>bin/</a:t>
-            </a:r>
+              <a:t>Cells in a partition: ~2 billion (2</a:t>
+            </a:r>
+            <a:r>
+              <a:rPr lang="en-IN" baseline="30000" dirty="0" smtClean="0"/>
+              <a:t>31</a:t>
+            </a:r>
+            <a:r>
+              <a:rPr lang="en-IN" dirty="0" smtClean="0"/>
+              <a:t>); single column value size: 2 GB ( 1 MB is recommended)</a:t>
+            </a:r>
+          </a:p>
+          <a:p>
+            <a:r>
+              <a:rPr lang="en-IN" dirty="0" smtClean="0"/>
+              <a:t>Clustering column value, length of: 65535 (2</a:t>
+            </a:r>
+            <a:r>
+              <a:rPr lang="en-IN" baseline="30000" dirty="0" smtClean="0"/>
+              <a:t>16</a:t>
+            </a:r>
+            <a:r>
+              <a:rPr lang="en-IN" dirty="0" smtClean="0"/>
+              <a:t>-1)</a:t>
+            </a:r>
+          </a:p>
+          <a:p>
+            <a:r>
+              <a:rPr lang="en-IN" dirty="0" smtClean="0"/>
+              <a:t>Key length: 65535 (2</a:t>
+            </a:r>
+            <a:r>
+              <a:rPr lang="en-IN" baseline="30000" dirty="0" smtClean="0"/>
+              <a:t>16</a:t>
+            </a:r>
+            <a:r>
+              <a:rPr lang="en-IN" dirty="0" smtClean="0"/>
+              <a:t>-1)</a:t>
+            </a:r>
+          </a:p>
+          <a:p>
+            <a:r>
+              <a:rPr lang="en-IN" dirty="0" smtClean="0"/>
+              <a:t>Table / CF name length: 48 characters</a:t>
+            </a:r>
+          </a:p>
+          <a:p>
             <a:r>
               <a:rPr lang="en-IN" dirty="0" err="1" smtClean="0"/>
-              <a:t>cqlsh</a:t>
-            </a:r>
-            <a:r>
-              <a:rPr lang="en-IN" dirty="0" smtClean="0"/>
-              <a:t> [</a:t>
-            </a:r>
-            <a:r>
-              <a:rPr lang="en-IN" b="1" i="1" dirty="0" smtClean="0"/>
-              <a:t>options</a:t>
-            </a:r>
-            <a:r>
-              <a:rPr lang="en-IN" dirty="0" smtClean="0"/>
-              <a:t>] [</a:t>
-            </a:r>
-            <a:r>
-              <a:rPr lang="en-IN" b="1" i="1" dirty="0" smtClean="0"/>
-              <a:t>host</a:t>
-            </a:r>
-            <a:r>
-              <a:rPr lang="en-IN" dirty="0" smtClean="0"/>
-              <a:t> [</a:t>
-            </a:r>
-            <a:r>
-              <a:rPr lang="en-IN" b="1" i="1" dirty="0" smtClean="0"/>
-              <a:t>port</a:t>
-            </a:r>
-            <a:r>
-              <a:rPr lang="en-IN" dirty="0" smtClean="0"/>
-              <a:t>]] – connecting to an IP</a:t>
-            </a:r>
-          </a:p>
-          <a:p>
-            <a:r>
-              <a:rPr lang="en-IN" dirty="0" smtClean="0"/>
-              <a:t>./</a:t>
+              <a:t>Keyspace</a:t>
+            </a:r>
+            <a:r>
+              <a:rPr lang="en-IN" dirty="0" smtClean="0"/>
+              <a:t> name length: 48 characters</a:t>
+            </a:r>
+          </a:p>
+          <a:p>
+            <a:r>
+              <a:rPr lang="en-IN" dirty="0" smtClean="0"/>
+              <a:t>Query parameters in a query: 65535 (2</a:t>
+            </a:r>
+            <a:r>
+              <a:rPr lang="en-IN" baseline="30000" dirty="0" smtClean="0"/>
+              <a:t>16</a:t>
+            </a:r>
+            <a:r>
+              <a:rPr lang="en-IN" dirty="0" smtClean="0"/>
+              <a:t>-1)</a:t>
+            </a:r>
+          </a:p>
+          <a:p>
+            <a:r>
+              <a:rPr lang="en-IN" dirty="0" smtClean="0"/>
+              <a:t>Statements in a batch: 65535 (2</a:t>
+            </a:r>
+            <a:r>
+              <a:rPr lang="en-IN" baseline="30000" dirty="0" smtClean="0"/>
+              <a:t>16</a:t>
+            </a:r>
+            <a:r>
+              <a:rPr lang="en-IN" dirty="0" smtClean="0"/>
+              <a:t>-1)</a:t>
+            </a:r>
+          </a:p>
+          <a:p>
+            <a:r>
+              <a:rPr lang="en-IN" dirty="0" smtClean="0"/>
+              <a:t>Fields in a </a:t>
             </a:r>
             <a:r>
               <a:rPr lang="en-IN" dirty="0" err="1" smtClean="0"/>
-              <a:t>cqlsh</a:t>
-            </a:r>
-            <a:r>
-              <a:rPr lang="en-IN" dirty="0" smtClean="0"/>
-              <a:t> CQLSHRC="~/</a:t>
-            </a:r>
-            <a:r>
-              <a:rPr lang="en-IN" b="1" i="1" dirty="0" err="1" smtClean="0"/>
-              <a:t>directory_name</a:t>
-            </a:r>
-            <a:r>
-              <a:rPr lang="en-IN" dirty="0" smtClean="0"/>
-              <a:t>“ - </a:t>
-            </a:r>
-            <a:r>
-              <a:rPr lang="en-IN" dirty="0" smtClean="0"/>
-              <a:t>Configuring </a:t>
-            </a:r>
-            <a:r>
-              <a:rPr lang="en-IN" dirty="0" err="1" smtClean="0"/>
-              <a:t>cqlsh</a:t>
-            </a:r>
-            <a:r>
-              <a:rPr lang="en-IN" dirty="0" smtClean="0"/>
-              <a:t> from a file</a:t>
-            </a:r>
-          </a:p>
-          <a:p>
-            <a:r>
-              <a:rPr lang="en-IN" dirty="0" smtClean="0"/>
-              <a:t>CAPTURE </a:t>
-            </a:r>
-            <a:r>
-              <a:rPr lang="en-IN" b="1" dirty="0" err="1" smtClean="0"/>
-              <a:t>CAPTURE</a:t>
-            </a:r>
-            <a:r>
-              <a:rPr lang="en-IN" dirty="0" smtClean="0"/>
-              <a:t> ['</a:t>
-            </a:r>
-            <a:r>
-              <a:rPr lang="en-IN" b="1" i="1" dirty="0" err="1" smtClean="0"/>
-              <a:t>file_name</a:t>
-            </a:r>
-            <a:r>
-              <a:rPr lang="en-IN" dirty="0" smtClean="0"/>
-              <a:t>' | </a:t>
-            </a:r>
-            <a:r>
-              <a:rPr lang="en-IN" b="1" dirty="0" smtClean="0"/>
-              <a:t>OFF</a:t>
-            </a:r>
-            <a:r>
-              <a:rPr lang="en-IN" dirty="0" smtClean="0"/>
-              <a:t>] </a:t>
-            </a:r>
-            <a:r>
-              <a:rPr lang="en-IN" dirty="0" smtClean="0"/>
-              <a:t>- </a:t>
-            </a:r>
-            <a:r>
-              <a:rPr lang="en-IN" dirty="0" smtClean="0"/>
-              <a:t>Appends the query results to a file in exponential notation format. Results do not appear in standard output; however error messages and </a:t>
-            </a:r>
-            <a:r>
-              <a:rPr lang="en-IN" dirty="0" err="1" smtClean="0"/>
-              <a:t>cqlsh</a:t>
-            </a:r>
-            <a:r>
-              <a:rPr lang="en-IN" dirty="0" smtClean="0"/>
-              <a:t> commands output displays in STDOUT</a:t>
-            </a:r>
-            <a:r>
-              <a:rPr lang="en-IN" dirty="0" smtClean="0"/>
-              <a:t>.</a:t>
-            </a:r>
-          </a:p>
-          <a:p>
-            <a:r>
-              <a:rPr lang="en-IN" dirty="0" smtClean="0"/>
-              <a:t>CLEAR</a:t>
-            </a:r>
-          </a:p>
-          <a:p>
-            <a:r>
-              <a:rPr lang="en-IN" b="1" dirty="0" smtClean="0"/>
-              <a:t>CONSISTENCY</a:t>
-            </a:r>
-            <a:r>
-              <a:rPr lang="en-IN" dirty="0" smtClean="0"/>
-              <a:t> [</a:t>
-            </a:r>
-            <a:r>
-              <a:rPr lang="en-IN" b="1" i="1" dirty="0" smtClean="0"/>
-              <a:t>level</a:t>
-            </a:r>
-            <a:r>
-              <a:rPr lang="en-IN" dirty="0" smtClean="0"/>
-              <a:t>]</a:t>
-            </a:r>
-          </a:p>
-          <a:p>
-            <a:r>
-              <a:rPr lang="en-IN" sz="1900" b="1" dirty="0" smtClean="0"/>
-              <a:t>COPY</a:t>
-            </a:r>
-            <a:r>
-              <a:rPr lang="en-IN" sz="1900" dirty="0" smtClean="0"/>
-              <a:t> </a:t>
-            </a:r>
-            <a:r>
-              <a:rPr lang="en-IN" sz="1900" b="1" i="1" dirty="0" err="1" smtClean="0"/>
-              <a:t>table_name</a:t>
-            </a:r>
-            <a:r>
-              <a:rPr lang="en-IN" sz="1900" dirty="0" smtClean="0"/>
-              <a:t> [( </a:t>
-            </a:r>
-            <a:r>
-              <a:rPr lang="en-IN" sz="1900" b="1" i="1" dirty="0" err="1" smtClean="0"/>
-              <a:t>column_list</a:t>
-            </a:r>
-            <a:r>
-              <a:rPr lang="en-IN" sz="1900" dirty="0" smtClean="0"/>
-              <a:t> )] </a:t>
-            </a:r>
-            <a:endParaRPr lang="en-IN" sz="1900" dirty="0" smtClean="0"/>
-          </a:p>
-          <a:p>
-            <a:pPr>
-              <a:buNone/>
-            </a:pPr>
-            <a:r>
-              <a:rPr lang="en-IN" sz="1900" dirty="0" smtClean="0"/>
-              <a:t>	FROM </a:t>
-            </a:r>
-            <a:r>
-              <a:rPr lang="en-IN" sz="1900" dirty="0" smtClean="0"/>
-              <a:t>'</a:t>
-            </a:r>
-            <a:r>
-              <a:rPr lang="en-IN" sz="1900" dirty="0" err="1" smtClean="0"/>
-              <a:t>file_name</a:t>
-            </a:r>
-            <a:r>
-              <a:rPr lang="en-IN" sz="1900" dirty="0" smtClean="0"/>
-              <a:t>'[, 'file2_name', ...] | STDIN</a:t>
-            </a:r>
-          </a:p>
-          <a:p>
-            <a:pPr>
-              <a:buNone/>
-            </a:pPr>
-            <a:r>
-              <a:rPr lang="en-IN" sz="1900" dirty="0" smtClean="0"/>
-              <a:t>	[</a:t>
-            </a:r>
-            <a:r>
-              <a:rPr lang="en-IN" sz="1900" dirty="0" smtClean="0"/>
-              <a:t>WITH option = 'value' [AND ...]]- </a:t>
-            </a:r>
-            <a:r>
-              <a:rPr lang="en-IN" sz="1900" dirty="0" smtClean="0"/>
-              <a:t> </a:t>
-            </a:r>
-            <a:r>
-              <a:rPr lang="en-IN" dirty="0" smtClean="0"/>
-              <a:t>CQL </a:t>
-            </a:r>
-            <a:r>
-              <a:rPr lang="en-IN" dirty="0" smtClean="0"/>
-              <a:t>shell commands that import and export CSV (comma-separated values or delimited text files</a:t>
-            </a:r>
-            <a:r>
-              <a:rPr lang="en-IN" dirty="0" smtClean="0"/>
-              <a:t>)</a:t>
-            </a:r>
-          </a:p>
-          <a:p>
-            <a:r>
-              <a:rPr lang="en-IN" sz="1900" dirty="0" smtClean="0"/>
-              <a:t>DESCRIBE [FULL]  SCHEMA  | CLUSTER </a:t>
-            </a:r>
-          </a:p>
-          <a:p>
-            <a:pPr>
-              <a:buNone/>
-            </a:pPr>
-            <a:r>
-              <a:rPr lang="en-IN" sz="1900" dirty="0" smtClean="0"/>
-              <a:t>	| </a:t>
-            </a:r>
-            <a:r>
-              <a:rPr lang="en-IN" sz="1900" dirty="0" smtClean="0"/>
-              <a:t>KEYSPACES | KEYSPACE </a:t>
-            </a:r>
-            <a:r>
-              <a:rPr lang="en-IN" sz="1900" dirty="0" err="1" smtClean="0"/>
-              <a:t>keyspace_name</a:t>
-            </a:r>
-            <a:endParaRPr lang="en-IN" sz="1900" dirty="0" smtClean="0"/>
-          </a:p>
-          <a:p>
-            <a:pPr>
-              <a:buNone/>
-            </a:pPr>
-            <a:r>
-              <a:rPr lang="en-IN" sz="1900" dirty="0" smtClean="0"/>
-              <a:t>	| </a:t>
-            </a:r>
-            <a:r>
-              <a:rPr lang="en-IN" sz="1900" dirty="0" smtClean="0"/>
-              <a:t>TABLES | TABLE [</a:t>
-            </a:r>
-            <a:r>
-              <a:rPr lang="en-IN" sz="1900" dirty="0" err="1" smtClean="0"/>
-              <a:t>keyspace_name</a:t>
-            </a:r>
-            <a:r>
-              <a:rPr lang="en-IN" sz="1900" dirty="0" smtClean="0"/>
-              <a:t>.]</a:t>
-            </a:r>
-            <a:r>
-              <a:rPr lang="en-IN" sz="1900" dirty="0" err="1" smtClean="0"/>
-              <a:t>table_name</a:t>
-            </a:r>
-            <a:endParaRPr lang="en-IN" sz="1900" dirty="0" smtClean="0"/>
-          </a:p>
-          <a:p>
-            <a:pPr>
-              <a:buNone/>
-            </a:pPr>
-            <a:r>
-              <a:rPr lang="en-IN" sz="1900" dirty="0" smtClean="0"/>
-              <a:t>	| </a:t>
-            </a:r>
-            <a:r>
-              <a:rPr lang="en-IN" sz="1900" dirty="0" smtClean="0"/>
-              <a:t>TYPES | TYPE [</a:t>
-            </a:r>
-            <a:r>
-              <a:rPr lang="en-IN" sz="1900" dirty="0" err="1" smtClean="0"/>
-              <a:t>keyspace_name</a:t>
-            </a:r>
-            <a:r>
-              <a:rPr lang="en-IN" sz="1900" dirty="0" smtClean="0"/>
-              <a:t>.]</a:t>
-            </a:r>
-            <a:r>
-              <a:rPr lang="en-IN" sz="1900" dirty="0" err="1" smtClean="0"/>
-              <a:t>udt_name</a:t>
-            </a:r>
-            <a:endParaRPr lang="en-IN" sz="1900" dirty="0" smtClean="0"/>
-          </a:p>
-          <a:p>
-            <a:pPr>
-              <a:buNone/>
-            </a:pPr>
-            <a:r>
-              <a:rPr lang="en-IN" sz="1900" dirty="0" smtClean="0"/>
-              <a:t>	| </a:t>
-            </a:r>
-            <a:r>
-              <a:rPr lang="en-IN" sz="1900" dirty="0" smtClean="0"/>
-              <a:t>FUNCTIONS | FUNCTION [</a:t>
-            </a:r>
-            <a:r>
-              <a:rPr lang="en-IN" sz="1900" dirty="0" err="1" smtClean="0"/>
-              <a:t>keyspace_name</a:t>
-            </a:r>
-            <a:r>
-              <a:rPr lang="en-IN" sz="1900" dirty="0" smtClean="0"/>
-              <a:t>.]</a:t>
-            </a:r>
-            <a:r>
-              <a:rPr lang="en-IN" sz="1900" dirty="0" err="1" smtClean="0"/>
-              <a:t>udf_name</a:t>
-            </a:r>
-            <a:endParaRPr lang="en-IN" sz="1900" dirty="0" smtClean="0"/>
-          </a:p>
-          <a:p>
-            <a:pPr>
-              <a:buNone/>
-            </a:pPr>
-            <a:r>
-              <a:rPr lang="en-IN" sz="1900" dirty="0" smtClean="0"/>
-              <a:t>	| </a:t>
-            </a:r>
-            <a:r>
-              <a:rPr lang="en-IN" sz="1900" dirty="0" smtClean="0"/>
-              <a:t>AGGREGATES | AGGREGATE [</a:t>
-            </a:r>
-            <a:r>
-              <a:rPr lang="en-IN" sz="1900" dirty="0" err="1" smtClean="0"/>
-              <a:t>keyspace_name</a:t>
-            </a:r>
-            <a:r>
-              <a:rPr lang="en-IN" sz="1900" dirty="0" smtClean="0"/>
-              <a:t>.]</a:t>
-            </a:r>
-            <a:r>
-              <a:rPr lang="en-IN" sz="1900" dirty="0" err="1" smtClean="0"/>
-              <a:t>uda_name</a:t>
-            </a:r>
-            <a:endParaRPr lang="en-IN" sz="1900" dirty="0" smtClean="0"/>
-          </a:p>
-          <a:p>
-            <a:pPr>
-              <a:buNone/>
-            </a:pPr>
-            <a:r>
-              <a:rPr lang="en-IN" sz="1900" dirty="0" smtClean="0"/>
-              <a:t>	| </a:t>
-            </a:r>
-            <a:r>
-              <a:rPr lang="en-IN" sz="1900" dirty="0" smtClean="0"/>
-              <a:t>INDEX [</a:t>
-            </a:r>
-            <a:r>
-              <a:rPr lang="en-IN" sz="1900" dirty="0" err="1" smtClean="0"/>
-              <a:t>keyspace_name</a:t>
-            </a:r>
-            <a:r>
-              <a:rPr lang="en-IN" sz="1900" dirty="0" smtClean="0"/>
-              <a:t>.]</a:t>
-            </a:r>
-            <a:r>
-              <a:rPr lang="en-IN" sz="1900" dirty="0" err="1" smtClean="0"/>
-              <a:t>index_name</a:t>
-            </a:r>
-            <a:endParaRPr lang="en-IN" sz="1900" dirty="0" smtClean="0"/>
-          </a:p>
-          <a:p>
-            <a:pPr>
-              <a:buNone/>
-            </a:pPr>
-            <a:r>
-              <a:rPr lang="en-IN" sz="1900" dirty="0" smtClean="0"/>
-              <a:t>	| </a:t>
-            </a:r>
-            <a:r>
-              <a:rPr lang="en-IN" sz="1900" dirty="0" smtClean="0"/>
-              <a:t>MATERIALIZED VIEW [</a:t>
-            </a:r>
-            <a:r>
-              <a:rPr lang="en-IN" sz="1900" dirty="0" err="1" smtClean="0"/>
-              <a:t>keyspace_name</a:t>
-            </a:r>
-            <a:r>
-              <a:rPr lang="en-IN" sz="1900" dirty="0" smtClean="0"/>
-              <a:t>.]</a:t>
-            </a:r>
-            <a:r>
-              <a:rPr lang="en-IN" sz="1900" dirty="0" err="1" smtClean="0"/>
-              <a:t>view_name</a:t>
-            </a:r>
-            <a:endParaRPr lang="en-IN" sz="1900" dirty="0" smtClean="0"/>
-          </a:p>
-          <a:p>
-            <a:endParaRPr lang="en-IN" dirty="0" smtClean="0"/>
-          </a:p>
-          <a:p>
-            <a:endParaRPr lang="en-IN" dirty="0" smtClean="0"/>
-          </a:p>
-          <a:p>
-            <a:endParaRPr lang="en-IN" dirty="0"/>
+              <a:t>tuple</a:t>
+            </a:r>
+            <a:r>
+              <a:rPr lang="en-IN" dirty="0" smtClean="0"/>
+              <a:t>: 32768 (2</a:t>
+            </a:r>
+            <a:r>
+              <a:rPr lang="en-IN" baseline="30000" dirty="0" smtClean="0"/>
+              <a:t>15</a:t>
+            </a:r>
+            <a:r>
+              <a:rPr lang="en-IN" dirty="0" smtClean="0"/>
+              <a:t>) (just a few fields, such as 2-10, are recommended)</a:t>
+            </a:r>
+          </a:p>
+          <a:p>
+            <a:r>
+              <a:rPr lang="en-IN" dirty="0" smtClean="0"/>
+              <a:t>Collection (List): collection limit: ~2 billion (2</a:t>
+            </a:r>
+            <a:r>
+              <a:rPr lang="en-IN" baseline="30000" dirty="0" smtClean="0"/>
+              <a:t>31</a:t>
+            </a:r>
+            <a:r>
+              <a:rPr lang="en-IN" dirty="0" smtClean="0"/>
+              <a:t>); values size: 65535 (2</a:t>
+            </a:r>
+            <a:r>
+              <a:rPr lang="en-IN" baseline="30000" dirty="0" smtClean="0"/>
+              <a:t>16</a:t>
+            </a:r>
+            <a:r>
+              <a:rPr lang="en-IN" dirty="0" smtClean="0"/>
+              <a:t>-1)</a:t>
+            </a:r>
+          </a:p>
+          <a:p>
+            <a:r>
+              <a:rPr lang="en-IN" dirty="0" smtClean="0"/>
+              <a:t>Collection (Set): collection limit: ~2 billion (2</a:t>
+            </a:r>
+            <a:r>
+              <a:rPr lang="en-IN" baseline="30000" dirty="0" smtClean="0"/>
+              <a:t>31</a:t>
+            </a:r>
+            <a:r>
+              <a:rPr lang="en-IN" dirty="0" smtClean="0"/>
+              <a:t>); values size: 65535 (2</a:t>
+            </a:r>
+            <a:r>
+              <a:rPr lang="en-IN" baseline="30000" dirty="0" smtClean="0"/>
+              <a:t>16</a:t>
+            </a:r>
+            <a:r>
+              <a:rPr lang="en-IN" dirty="0" smtClean="0"/>
+              <a:t>-1)</a:t>
+            </a:r>
+          </a:p>
+          <a:p>
+            <a:r>
+              <a:rPr lang="en-IN" dirty="0" smtClean="0"/>
+              <a:t>Collection (Map): collection limit: ~2 billion (2</a:t>
+            </a:r>
+            <a:r>
+              <a:rPr lang="en-IN" baseline="30000" dirty="0" smtClean="0"/>
+              <a:t>31</a:t>
+            </a:r>
+            <a:r>
+              <a:rPr lang="en-IN" dirty="0" smtClean="0"/>
+              <a:t>); number of keys: 65535 (2</a:t>
+            </a:r>
+            <a:r>
+              <a:rPr lang="en-IN" baseline="30000" dirty="0" smtClean="0"/>
+              <a:t>16</a:t>
+            </a:r>
+            <a:r>
+              <a:rPr lang="en-IN" dirty="0" smtClean="0"/>
+              <a:t>-1); values size: 65535 (2</a:t>
+            </a:r>
+            <a:r>
+              <a:rPr lang="en-IN" baseline="30000" dirty="0" smtClean="0"/>
+              <a:t>16</a:t>
+            </a:r>
+            <a:r>
+              <a:rPr lang="en-IN" dirty="0" smtClean="0"/>
+              <a:t>-1)</a:t>
+            </a:r>
+          </a:p>
+          <a:p>
+            <a:r>
+              <a:rPr lang="en-IN" dirty="0" smtClean="0"/>
+              <a:t>Blob size: 2 GB ( less than 1 MB is recommended)</a:t>
+            </a:r>
           </a:p>
         </p:txBody>
       </p:sp>
@@ -6013,32 +5503,374 @@
           <a:lstStyle/>
           <a:p>
             <a:r>
+              <a:rPr lang="en-IN" dirty="0" smtClean="0"/>
+              <a:t>CQL shell commands</a:t>
+            </a:r>
+            <a:endParaRPr lang="en-IN" dirty="0"/>
+          </a:p>
+        </p:txBody>
+      </p:sp>
+      <p:sp>
+        <p:nvSpPr>
+          <p:cNvPr id="3" name="Content Placeholder 2"/>
+          <p:cNvSpPr>
+            <a:spLocks noGrp="1"/>
+          </p:cNvSpPr>
+          <p:nvPr>
+            <p:ph idx="1"/>
+          </p:nvPr>
+        </p:nvSpPr>
+        <p:spPr/>
+        <p:txBody>
+          <a:bodyPr>
+            <a:normAutofit fontScale="55000" lnSpcReduction="20000"/>
+          </a:bodyPr>
+          <a:lstStyle/>
+          <a:p>
+            <a:r>
+              <a:rPr lang="en-IN" dirty="0" smtClean="0"/>
+              <a:t>bin/</a:t>
+            </a:r>
+            <a:r>
               <a:rPr lang="en-IN" dirty="0" err="1" smtClean="0"/>
-              <a:t>nodetool</a:t>
-            </a:r>
-            <a:endParaRPr lang="en-IN" dirty="0"/>
-          </a:p>
-        </p:txBody>
-      </p:sp>
-      <p:sp>
-        <p:nvSpPr>
-          <p:cNvPr id="3" name="Content Placeholder 2"/>
-          <p:cNvSpPr>
-            <a:spLocks noGrp="1"/>
-          </p:cNvSpPr>
-          <p:nvPr>
-            <p:ph idx="1"/>
-          </p:nvPr>
-        </p:nvSpPr>
-        <p:spPr/>
-        <p:txBody>
-          <a:bodyPr/>
-          <a:lstStyle/>
-          <a:p>
-            <a:r>
-              <a:rPr lang="en-IN" dirty="0" smtClean="0"/>
-              <a:t>TODO</a:t>
-            </a:r>
+              <a:t>cqlsh</a:t>
+            </a:r>
+            <a:r>
+              <a:rPr lang="en-IN" dirty="0" smtClean="0"/>
+              <a:t> [</a:t>
+            </a:r>
+            <a:r>
+              <a:rPr lang="en-IN" b="1" i="1" dirty="0" smtClean="0"/>
+              <a:t>options</a:t>
+            </a:r>
+            <a:r>
+              <a:rPr lang="en-IN" dirty="0" smtClean="0"/>
+              <a:t>] [</a:t>
+            </a:r>
+            <a:r>
+              <a:rPr lang="en-IN" b="1" i="1" dirty="0" smtClean="0"/>
+              <a:t>host</a:t>
+            </a:r>
+            <a:r>
+              <a:rPr lang="en-IN" dirty="0" smtClean="0"/>
+              <a:t> [</a:t>
+            </a:r>
+            <a:r>
+              <a:rPr lang="en-IN" b="1" i="1" dirty="0" smtClean="0"/>
+              <a:t>port</a:t>
+            </a:r>
+            <a:r>
+              <a:rPr lang="en-IN" dirty="0" smtClean="0"/>
+              <a:t>]] – connecting to an IP</a:t>
+            </a:r>
+          </a:p>
+          <a:p>
+            <a:r>
+              <a:rPr lang="en-IN" dirty="0" smtClean="0"/>
+              <a:t>./</a:t>
+            </a:r>
+            <a:r>
+              <a:rPr lang="en-IN" dirty="0" err="1" smtClean="0"/>
+              <a:t>cqlsh</a:t>
+            </a:r>
+            <a:r>
+              <a:rPr lang="en-IN" dirty="0" smtClean="0"/>
+              <a:t> CQLSHRC="~/</a:t>
+            </a:r>
+            <a:r>
+              <a:rPr lang="en-IN" b="1" i="1" dirty="0" err="1" smtClean="0"/>
+              <a:t>directory_name</a:t>
+            </a:r>
+            <a:r>
+              <a:rPr lang="en-IN" dirty="0" smtClean="0"/>
+              <a:t>“ - Configuring </a:t>
+            </a:r>
+            <a:r>
+              <a:rPr lang="en-IN" dirty="0" err="1" smtClean="0"/>
+              <a:t>cqlsh</a:t>
+            </a:r>
+            <a:r>
+              <a:rPr lang="en-IN" dirty="0" smtClean="0"/>
+              <a:t> from a file</a:t>
+            </a:r>
+          </a:p>
+          <a:p>
+            <a:r>
+              <a:rPr lang="en-IN" dirty="0" smtClean="0"/>
+              <a:t>CAPTURE </a:t>
+            </a:r>
+            <a:r>
+              <a:rPr lang="en-IN" b="1" dirty="0" err="1" smtClean="0"/>
+              <a:t>CAPTURE</a:t>
+            </a:r>
+            <a:r>
+              <a:rPr lang="en-IN" dirty="0" smtClean="0"/>
+              <a:t> ['</a:t>
+            </a:r>
+            <a:r>
+              <a:rPr lang="en-IN" b="1" i="1" dirty="0" err="1" smtClean="0"/>
+              <a:t>file_name</a:t>
+            </a:r>
+            <a:r>
+              <a:rPr lang="en-IN" dirty="0" smtClean="0"/>
+              <a:t>' | </a:t>
+            </a:r>
+            <a:r>
+              <a:rPr lang="en-IN" b="1" dirty="0" smtClean="0"/>
+              <a:t>OFF</a:t>
+            </a:r>
+            <a:r>
+              <a:rPr lang="en-IN" dirty="0" smtClean="0"/>
+              <a:t>] - Appends the query results to a file in exponential notation format. Results do not appear in standard output; however error messages and </a:t>
+            </a:r>
+            <a:r>
+              <a:rPr lang="en-IN" dirty="0" err="1" smtClean="0"/>
+              <a:t>cqlsh</a:t>
+            </a:r>
+            <a:r>
+              <a:rPr lang="en-IN" dirty="0" smtClean="0"/>
+              <a:t> commands output displays in STDOUT.</a:t>
+            </a:r>
+          </a:p>
+          <a:p>
+            <a:r>
+              <a:rPr lang="en-IN" dirty="0" smtClean="0"/>
+              <a:t>CLEAR</a:t>
+            </a:r>
+          </a:p>
+          <a:p>
+            <a:r>
+              <a:rPr lang="en-IN" b="1" dirty="0" smtClean="0"/>
+              <a:t>CONSISTENCY</a:t>
+            </a:r>
+            <a:r>
+              <a:rPr lang="en-IN" dirty="0" smtClean="0"/>
+              <a:t> [</a:t>
+            </a:r>
+            <a:r>
+              <a:rPr lang="en-IN" b="1" i="1" dirty="0" smtClean="0"/>
+              <a:t>level</a:t>
+            </a:r>
+            <a:r>
+              <a:rPr lang="en-IN" dirty="0" smtClean="0"/>
+              <a:t>]</a:t>
+            </a:r>
+          </a:p>
+          <a:p>
+            <a:r>
+              <a:rPr lang="en-IN" sz="1900" b="1" dirty="0" smtClean="0"/>
+              <a:t>COPY</a:t>
+            </a:r>
+            <a:r>
+              <a:rPr lang="en-IN" sz="1900" dirty="0" smtClean="0"/>
+              <a:t> </a:t>
+            </a:r>
+            <a:r>
+              <a:rPr lang="en-IN" sz="1900" b="1" i="1" dirty="0" err="1" smtClean="0"/>
+              <a:t>table_name</a:t>
+            </a:r>
+            <a:r>
+              <a:rPr lang="en-IN" sz="1900" dirty="0" smtClean="0"/>
+              <a:t> [( </a:t>
+            </a:r>
+            <a:r>
+              <a:rPr lang="en-IN" sz="1900" b="1" i="1" dirty="0" err="1" smtClean="0"/>
+              <a:t>column_list</a:t>
+            </a:r>
+            <a:r>
+              <a:rPr lang="en-IN" sz="1900" dirty="0" smtClean="0"/>
+              <a:t> )] </a:t>
+            </a:r>
+          </a:p>
+          <a:p>
+            <a:pPr>
+              <a:buNone/>
+            </a:pPr>
+            <a:r>
+              <a:rPr lang="en-IN" sz="1900" dirty="0" smtClean="0"/>
+              <a:t>	FROM '</a:t>
+            </a:r>
+            <a:r>
+              <a:rPr lang="en-IN" sz="1900" dirty="0" err="1" smtClean="0"/>
+              <a:t>file_name</a:t>
+            </a:r>
+            <a:r>
+              <a:rPr lang="en-IN" sz="1900" dirty="0" smtClean="0"/>
+              <a:t>'[, 'file2_name', ...] | STDIN</a:t>
+            </a:r>
+          </a:p>
+          <a:p>
+            <a:pPr>
+              <a:buNone/>
+            </a:pPr>
+            <a:r>
+              <a:rPr lang="en-IN" sz="1900" dirty="0" smtClean="0"/>
+              <a:t>	[WITH option = 'value' [AND ...]]-  </a:t>
+            </a:r>
+            <a:r>
+              <a:rPr lang="en-IN" dirty="0" smtClean="0"/>
+              <a:t>CQL shell commands that import and export CSV (comma-separated values or delimited text files)</a:t>
+            </a:r>
+          </a:p>
+          <a:p>
+            <a:r>
+              <a:rPr lang="en-IN" sz="1900" dirty="0" smtClean="0"/>
+              <a:t>DESCRIBE [FULL]  SCHEMA  | CLUSTER </a:t>
+            </a:r>
+          </a:p>
+          <a:p>
+            <a:pPr>
+              <a:buNone/>
+            </a:pPr>
+            <a:r>
+              <a:rPr lang="en-IN" sz="1900" dirty="0" smtClean="0"/>
+              <a:t>	| KEYSPACES | KEYSPACE </a:t>
+            </a:r>
+            <a:r>
+              <a:rPr lang="en-IN" sz="1900" dirty="0" err="1" smtClean="0"/>
+              <a:t>keyspace_name</a:t>
+            </a:r>
+            <a:endParaRPr lang="en-IN" sz="1900" dirty="0" smtClean="0"/>
+          </a:p>
+          <a:p>
+            <a:pPr>
+              <a:buNone/>
+            </a:pPr>
+            <a:r>
+              <a:rPr lang="en-IN" sz="1900" dirty="0" smtClean="0"/>
+              <a:t>	| TABLES | TABLE [</a:t>
+            </a:r>
+            <a:r>
+              <a:rPr lang="en-IN" sz="1900" dirty="0" err="1" smtClean="0"/>
+              <a:t>keyspace_name</a:t>
+            </a:r>
+            <a:r>
+              <a:rPr lang="en-IN" sz="1900" dirty="0" smtClean="0"/>
+              <a:t>.]</a:t>
+            </a:r>
+            <a:r>
+              <a:rPr lang="en-IN" sz="1900" dirty="0" err="1" smtClean="0"/>
+              <a:t>table_name</a:t>
+            </a:r>
+            <a:endParaRPr lang="en-IN" sz="1900" dirty="0" smtClean="0"/>
+          </a:p>
+          <a:p>
+            <a:pPr>
+              <a:buNone/>
+            </a:pPr>
+            <a:r>
+              <a:rPr lang="en-IN" sz="1900" dirty="0" smtClean="0"/>
+              <a:t>	| TYPES | TYPE [</a:t>
+            </a:r>
+            <a:r>
+              <a:rPr lang="en-IN" sz="1900" dirty="0" err="1" smtClean="0"/>
+              <a:t>keyspace_name</a:t>
+            </a:r>
+            <a:r>
+              <a:rPr lang="en-IN" sz="1900" dirty="0" smtClean="0"/>
+              <a:t>.]</a:t>
+            </a:r>
+            <a:r>
+              <a:rPr lang="en-IN" sz="1900" dirty="0" err="1" smtClean="0"/>
+              <a:t>udt_name</a:t>
+            </a:r>
+            <a:endParaRPr lang="en-IN" sz="1900" dirty="0" smtClean="0"/>
+          </a:p>
+          <a:p>
+            <a:pPr>
+              <a:buNone/>
+            </a:pPr>
+            <a:r>
+              <a:rPr lang="en-IN" sz="1900" dirty="0" smtClean="0"/>
+              <a:t>	| FUNCTIONS | FUNCTION [</a:t>
+            </a:r>
+            <a:r>
+              <a:rPr lang="en-IN" sz="1900" dirty="0" err="1" smtClean="0"/>
+              <a:t>keyspace_name</a:t>
+            </a:r>
+            <a:r>
+              <a:rPr lang="en-IN" sz="1900" dirty="0" smtClean="0"/>
+              <a:t>.]</a:t>
+            </a:r>
+            <a:r>
+              <a:rPr lang="en-IN" sz="1900" dirty="0" err="1" smtClean="0"/>
+              <a:t>udf_name</a:t>
+            </a:r>
+            <a:endParaRPr lang="en-IN" sz="1900" dirty="0" smtClean="0"/>
+          </a:p>
+          <a:p>
+            <a:pPr>
+              <a:buNone/>
+            </a:pPr>
+            <a:r>
+              <a:rPr lang="en-IN" sz="1900" dirty="0" smtClean="0"/>
+              <a:t>	| AGGREGATES | AGGREGATE [</a:t>
+            </a:r>
+            <a:r>
+              <a:rPr lang="en-IN" sz="1900" dirty="0" err="1" smtClean="0"/>
+              <a:t>keyspace_name</a:t>
+            </a:r>
+            <a:r>
+              <a:rPr lang="en-IN" sz="1900" dirty="0" smtClean="0"/>
+              <a:t>.]</a:t>
+            </a:r>
+            <a:r>
+              <a:rPr lang="en-IN" sz="1900" dirty="0" err="1" smtClean="0"/>
+              <a:t>uda_name</a:t>
+            </a:r>
+            <a:endParaRPr lang="en-IN" sz="1900" dirty="0" smtClean="0"/>
+          </a:p>
+          <a:p>
+            <a:pPr>
+              <a:buNone/>
+            </a:pPr>
+            <a:r>
+              <a:rPr lang="en-IN" sz="1900" dirty="0" smtClean="0"/>
+              <a:t>	| INDEX [</a:t>
+            </a:r>
+            <a:r>
+              <a:rPr lang="en-IN" sz="1900" dirty="0" err="1" smtClean="0"/>
+              <a:t>keyspace_name</a:t>
+            </a:r>
+            <a:r>
+              <a:rPr lang="en-IN" sz="1900" dirty="0" smtClean="0"/>
+              <a:t>.]</a:t>
+            </a:r>
+            <a:r>
+              <a:rPr lang="en-IN" sz="1900" dirty="0" err="1" smtClean="0"/>
+              <a:t>index_name</a:t>
+            </a:r>
+            <a:endParaRPr lang="en-IN" sz="1900" dirty="0" smtClean="0"/>
+          </a:p>
+          <a:p>
+            <a:pPr>
+              <a:buNone/>
+            </a:pPr>
+            <a:r>
+              <a:rPr lang="en-IN" sz="1900" dirty="0" smtClean="0"/>
+              <a:t>	| MATERIALIZED VIEW [</a:t>
+            </a:r>
+            <a:r>
+              <a:rPr lang="en-IN" sz="1900" dirty="0" err="1" smtClean="0"/>
+              <a:t>keyspace_name</a:t>
+            </a:r>
+            <a:r>
+              <a:rPr lang="en-IN" sz="1900" dirty="0" smtClean="0"/>
+              <a:t>.]</a:t>
+            </a:r>
+            <a:r>
+              <a:rPr lang="en-IN" sz="1900" dirty="0" err="1" smtClean="0"/>
+              <a:t>view_name</a:t>
+            </a:r>
+            <a:endParaRPr lang="en-IN" sz="1900" dirty="0" smtClean="0"/>
+          </a:p>
+          <a:p>
+            <a:endParaRPr lang="en-IN" dirty="0" smtClean="0"/>
+          </a:p>
+          <a:p>
+            <a:endParaRPr lang="en-IN" dirty="0" smtClean="0"/>
+          </a:p>
+          <a:p>
             <a:endParaRPr lang="en-IN" dirty="0"/>
           </a:p>
         </p:txBody>
@@ -6084,8 +5916,16 @@
           <a:lstStyle/>
           <a:p>
             <a:r>
-              <a:rPr lang="en-IN" dirty="0" smtClean="0"/>
-              <a:t>Achilles(A Java API)</a:t>
+              <a:rPr lang="en-IN" dirty="0" err="1" smtClean="0"/>
+              <a:t>nodetool</a:t>
+            </a:r>
+            <a:r>
+              <a:rPr lang="en-IN" dirty="0" smtClean="0"/>
+              <a:t> </a:t>
+            </a:r>
+            <a:r>
+              <a:rPr lang="en-IN" dirty="0" smtClean="0"/>
+              <a:t>– a few important commands</a:t>
             </a:r>
             <a:endParaRPr lang="en-IN" dirty="0"/>
           </a:p>
@@ -6103,14 +5943,318 @@
         </p:nvSpPr>
         <p:spPr/>
         <p:txBody>
-          <a:bodyPr/>
-          <a:lstStyle/>
-          <a:p>
-            <a:r>
-              <a:rPr lang="en-IN" dirty="0" smtClean="0"/>
-              <a:t>TODO</a:t>
-            </a:r>
-            <a:endParaRPr lang="en-IN" dirty="0"/>
+          <a:bodyPr>
+            <a:normAutofit fontScale="55000" lnSpcReduction="20000"/>
+          </a:bodyPr>
+          <a:lstStyle/>
+          <a:p>
+            <a:r>
+              <a:rPr lang="en-IN" u="sng" dirty="0" err="1" smtClean="0"/>
+              <a:t>r</a:t>
+            </a:r>
+            <a:r>
+              <a:rPr lang="en-IN" u="sng" dirty="0" err="1" smtClean="0"/>
+              <a:t>emovenode</a:t>
+            </a:r>
+            <a:r>
+              <a:rPr lang="en-IN" dirty="0" smtClean="0"/>
+              <a:t> : </a:t>
+            </a:r>
+            <a:r>
+              <a:rPr lang="en-IN" dirty="0" smtClean="0"/>
+              <a:t>Provides the status of current node removal, forces completion of pending removal, or removes the identified </a:t>
+            </a:r>
+            <a:r>
+              <a:rPr lang="en-IN" dirty="0" smtClean="0"/>
+              <a:t>node</a:t>
+            </a:r>
+          </a:p>
+          <a:p>
+            <a:r>
+              <a:rPr lang="en-IN" u="sng" dirty="0" smtClean="0"/>
+              <a:t>assassinate</a:t>
+            </a:r>
+            <a:r>
+              <a:rPr lang="en-IN" dirty="0" smtClean="0"/>
+              <a:t> : </a:t>
+            </a:r>
+            <a:r>
+              <a:rPr lang="en-IN" dirty="0" smtClean="0"/>
+              <a:t>Forcefully removes a dead node without re-replicating any </a:t>
+            </a:r>
+            <a:r>
+              <a:rPr lang="en-IN" dirty="0" smtClean="0"/>
+              <a:t>data. It is a last resort tool</a:t>
+            </a:r>
+          </a:p>
+          <a:p>
+            <a:r>
+              <a:rPr lang="en-IN" u="sng" dirty="0" smtClean="0"/>
+              <a:t>bootstrap</a:t>
+            </a:r>
+            <a:r>
+              <a:rPr lang="en-IN" dirty="0" smtClean="0"/>
+              <a:t> :</a:t>
+            </a:r>
+            <a:r>
+              <a:rPr lang="en-IN" u="sng" dirty="0" smtClean="0"/>
+              <a:t> </a:t>
+            </a:r>
+            <a:r>
+              <a:rPr lang="en-IN" dirty="0" smtClean="0"/>
+              <a:t>Manage a node’s bootstrap process</a:t>
+            </a:r>
+          </a:p>
+          <a:p>
+            <a:r>
+              <a:rPr lang="en-IN" u="sng" dirty="0" smtClean="0"/>
+              <a:t>drain</a:t>
+            </a:r>
+            <a:r>
+              <a:rPr lang="en-IN" dirty="0" smtClean="0"/>
+              <a:t> : </a:t>
+            </a:r>
+            <a:r>
+              <a:rPr lang="en-IN" dirty="0" smtClean="0"/>
+              <a:t>Flushes all </a:t>
+            </a:r>
+            <a:r>
+              <a:rPr lang="en-IN" dirty="0" err="1" smtClean="0"/>
+              <a:t>memtables</a:t>
+            </a:r>
+            <a:r>
+              <a:rPr lang="en-IN" dirty="0" smtClean="0"/>
+              <a:t> from the node to </a:t>
+            </a:r>
+            <a:r>
+              <a:rPr lang="en-IN" dirty="0" err="1" smtClean="0"/>
+              <a:t>SSTables</a:t>
+            </a:r>
+            <a:r>
+              <a:rPr lang="en-IN" dirty="0" smtClean="0"/>
+              <a:t> on </a:t>
+            </a:r>
+            <a:r>
+              <a:rPr lang="en-IN" dirty="0" smtClean="0"/>
+              <a:t>disk</a:t>
+            </a:r>
+          </a:p>
+          <a:p>
+            <a:r>
+              <a:rPr lang="en-IN" u="sng" dirty="0" smtClean="0"/>
+              <a:t>flush</a:t>
+            </a:r>
+            <a:r>
+              <a:rPr lang="en-IN" dirty="0" smtClean="0"/>
+              <a:t> : for specific </a:t>
+            </a:r>
+            <a:r>
+              <a:rPr lang="en-IN" dirty="0" err="1" smtClean="0"/>
+              <a:t>memtable</a:t>
+            </a:r>
+            <a:r>
+              <a:rPr lang="en-IN" dirty="0" smtClean="0"/>
+              <a:t> to </a:t>
+            </a:r>
+            <a:r>
+              <a:rPr lang="en-IN" dirty="0" err="1" smtClean="0"/>
+              <a:t>SSTables</a:t>
+            </a:r>
+            <a:r>
+              <a:rPr lang="en-IN" dirty="0" smtClean="0"/>
+              <a:t> on disk</a:t>
+            </a:r>
+            <a:endParaRPr lang="en-IN" u="sng" dirty="0" smtClean="0"/>
+          </a:p>
+          <a:p>
+            <a:r>
+              <a:rPr lang="en-IN" u="sng" dirty="0" err="1" smtClean="0"/>
+              <a:t>gossipinfo</a:t>
+            </a:r>
+            <a:r>
+              <a:rPr lang="en-IN" dirty="0" smtClean="0"/>
+              <a:t> : </a:t>
+            </a:r>
+            <a:r>
+              <a:rPr lang="en-IN" dirty="0" smtClean="0"/>
+              <a:t>gossip information for the cluster</a:t>
+            </a:r>
+            <a:r>
+              <a:rPr lang="en-IN" dirty="0" smtClean="0"/>
+              <a:t>.</a:t>
+            </a:r>
+          </a:p>
+          <a:p>
+            <a:r>
+              <a:rPr lang="en-IN" u="sng" dirty="0" smtClean="0"/>
+              <a:t>info</a:t>
+            </a:r>
+            <a:r>
+              <a:rPr lang="en-IN" dirty="0" smtClean="0"/>
+              <a:t> : node info, uptime, load, cache.</a:t>
+            </a:r>
+          </a:p>
+          <a:p>
+            <a:r>
+              <a:rPr lang="en-IN" u="sng" dirty="0" err="1" smtClean="0"/>
+              <a:t>gcstats</a:t>
+            </a:r>
+            <a:r>
+              <a:rPr lang="en-IN" dirty="0" smtClean="0"/>
+              <a:t> : </a:t>
+            </a:r>
+            <a:r>
+              <a:rPr lang="en-IN" dirty="0" smtClean="0"/>
+              <a:t>garbage collection statistics that returns values based on all the garbage collection that has run since the last time </a:t>
+            </a:r>
+            <a:r>
+              <a:rPr lang="en-IN" dirty="0" err="1" smtClean="0"/>
+              <a:t>nodetool</a:t>
+            </a:r>
+            <a:r>
+              <a:rPr lang="en-IN" dirty="0" smtClean="0"/>
+              <a:t> </a:t>
+            </a:r>
+            <a:r>
+              <a:rPr lang="en-IN" dirty="0" err="1" smtClean="0"/>
+              <a:t>gcstats</a:t>
+            </a:r>
+            <a:r>
+              <a:rPr lang="en-IN" dirty="0" smtClean="0"/>
+              <a:t> was run</a:t>
+            </a:r>
+            <a:endParaRPr lang="en-IN" u="sng" dirty="0" smtClean="0"/>
+          </a:p>
+          <a:p>
+            <a:r>
+              <a:rPr lang="en-IN" u="sng" dirty="0" smtClean="0"/>
+              <a:t>join</a:t>
+            </a:r>
+            <a:r>
+              <a:rPr lang="en-IN" dirty="0" smtClean="0"/>
+              <a:t> : </a:t>
+            </a:r>
+            <a:r>
+              <a:rPr lang="en-IN" dirty="0" smtClean="0"/>
+              <a:t>Causes the node to join the ring, assuming the node was initially </a:t>
+            </a:r>
+            <a:r>
+              <a:rPr lang="en-IN" i="1" dirty="0" smtClean="0"/>
+              <a:t>not</a:t>
+            </a:r>
+            <a:r>
+              <a:rPr lang="en-IN" dirty="0" smtClean="0"/>
+              <a:t> started in the ring using the </a:t>
+            </a:r>
+            <a:r>
+              <a:rPr lang="en-IN" dirty="0" smtClean="0">
+                <a:hlinkClick r:id="rId2" tooltip="You can start Cassandra 3.0 and 3.1 by adding them to the cassandra-env.sh file (package or tarball installations) or entering them at the command line in tarball installations."/>
+              </a:rPr>
+              <a:t>-</a:t>
+            </a:r>
+            <a:r>
+              <a:rPr lang="en-IN" dirty="0" err="1" smtClean="0">
+                <a:hlinkClick r:id="rId2" tooltip="You can start Cassandra 3.0 and 3.1 by adding them to the cassandra-env.sh file (package or tarball installations) or entering them at the command line in tarball installations."/>
+              </a:rPr>
+              <a:t>Djoin_ring</a:t>
+            </a:r>
+            <a:r>
+              <a:rPr lang="en-IN" dirty="0" smtClean="0">
+                <a:hlinkClick r:id="rId2" tooltip="You can start Cassandra 3.0 and 3.1 by adding them to the cassandra-env.sh file (package or tarball installations) or entering them at the command line in tarball installations."/>
+              </a:rPr>
+              <a:t>=false</a:t>
+            </a:r>
+            <a:r>
+              <a:rPr lang="en-IN" dirty="0" smtClean="0"/>
+              <a:t> </a:t>
+            </a:r>
+            <a:r>
+              <a:rPr lang="en-IN" dirty="0" err="1" smtClean="0"/>
+              <a:t>cassandra</a:t>
+            </a:r>
+            <a:r>
+              <a:rPr lang="en-IN" dirty="0" smtClean="0"/>
+              <a:t> utility option</a:t>
+            </a:r>
+            <a:endParaRPr lang="en-IN" dirty="0" smtClean="0"/>
+          </a:p>
+          <a:p>
+            <a:r>
+              <a:rPr lang="en-IN" u="sng" dirty="0" err="1" smtClean="0"/>
+              <a:t>netstats</a:t>
+            </a:r>
+            <a:r>
+              <a:rPr lang="en-IN" dirty="0" smtClean="0"/>
+              <a:t> : </a:t>
+            </a:r>
+            <a:r>
+              <a:rPr lang="en-IN" dirty="0" smtClean="0"/>
+              <a:t>Provides network information about the host.</a:t>
+            </a:r>
+            <a:endParaRPr lang="en-IN" dirty="0" smtClean="0"/>
+          </a:p>
+          <a:p>
+            <a:r>
+              <a:rPr lang="en-IN" u="sng" dirty="0" smtClean="0"/>
+              <a:t>refresh</a:t>
+            </a:r>
+            <a:r>
+              <a:rPr lang="en-IN" dirty="0" smtClean="0"/>
+              <a:t> : </a:t>
+            </a:r>
+            <a:r>
+              <a:rPr lang="en-IN" dirty="0" smtClean="0"/>
+              <a:t>Loads newly placed </a:t>
+            </a:r>
+            <a:r>
+              <a:rPr lang="en-IN" dirty="0" err="1" smtClean="0"/>
+              <a:t>SSTables</a:t>
+            </a:r>
+            <a:r>
+              <a:rPr lang="en-IN" dirty="0" smtClean="0"/>
+              <a:t> onto the system without a restart</a:t>
+            </a:r>
+            <a:r>
+              <a:rPr lang="en-IN" dirty="0" smtClean="0"/>
+              <a:t>.</a:t>
+            </a:r>
+          </a:p>
+          <a:p>
+            <a:r>
+              <a:rPr lang="en-IN" u="sng" dirty="0" smtClean="0"/>
+              <a:t>status</a:t>
+            </a:r>
+            <a:r>
+              <a:rPr lang="en-IN" dirty="0" smtClean="0"/>
+              <a:t> : </a:t>
+            </a:r>
+            <a:r>
+              <a:rPr lang="en-IN" dirty="0" smtClean="0"/>
+              <a:t>information about the cluster, such as the state, load, and IDs</a:t>
+            </a:r>
+            <a:r>
+              <a:rPr lang="en-IN" dirty="0" smtClean="0"/>
+              <a:t>.</a:t>
+            </a:r>
+          </a:p>
+          <a:p>
+            <a:r>
+              <a:rPr lang="en-IN" u="sng" dirty="0" err="1" smtClean="0"/>
+              <a:t>tablestats</a:t>
+            </a:r>
+            <a:r>
+              <a:rPr lang="en-IN" dirty="0" smtClean="0"/>
+              <a:t> : </a:t>
+            </a:r>
+            <a:r>
+              <a:rPr lang="en-IN" dirty="0" smtClean="0"/>
+              <a:t>statistics about one or more tables</a:t>
+            </a:r>
+            <a:r>
+              <a:rPr lang="en-IN" dirty="0" smtClean="0"/>
+              <a:t>.</a:t>
+            </a:r>
+            <a:endParaRPr lang="en-IN" u="sng" dirty="0" smtClean="0"/>
           </a:p>
         </p:txBody>
       </p:sp>
@@ -6156,6 +6300,392 @@
           <a:p>
             <a:r>
               <a:rPr lang="en-IN" dirty="0" smtClean="0"/>
+              <a:t>Achilles(A Java API)</a:t>
+            </a:r>
+            <a:endParaRPr lang="en-IN" dirty="0"/>
+          </a:p>
+        </p:txBody>
+      </p:sp>
+    </p:spTree>
+  </p:cSld>
+  <p:clrMapOvr>
+    <a:masterClrMapping/>
+  </p:clrMapOvr>
+</p:sld>
+</file>
+
+<file path=ppt/slides/slide29.xml><?xml version="1.0" encoding="utf-8"?>
+<p:sld xmlns:a="http://schemas.openxmlformats.org/drawingml/2006/main" xmlns:r="http://schemas.openxmlformats.org/officeDocument/2006/relationships" xmlns:p="http://schemas.openxmlformats.org/presentationml/2006/main">
+  <p:cSld>
+    <p:spTree>
+      <p:nvGrpSpPr>
+        <p:cNvPr id="1" name=""/>
+        <p:cNvGrpSpPr/>
+        <p:nvPr/>
+      </p:nvGrpSpPr>
+      <p:grpSpPr>
+        <a:xfrm>
+          <a:off x="0" y="0"/>
+          <a:ext cx="0" cy="0"/>
+          <a:chOff x="0" y="0"/>
+          <a:chExt cx="0" cy="0"/>
+        </a:xfrm>
+      </p:grpSpPr>
+      <p:sp>
+        <p:nvSpPr>
+          <p:cNvPr id="2" name="Title 1"/>
+          <p:cNvSpPr>
+            <a:spLocks noGrp="1"/>
+          </p:cNvSpPr>
+          <p:nvPr>
+            <p:ph type="title"/>
+          </p:nvPr>
+        </p:nvSpPr>
+        <p:spPr/>
+        <p:txBody>
+          <a:bodyPr/>
+          <a:lstStyle/>
+          <a:p>
+            <a:r>
+              <a:rPr lang="en-IN" dirty="0" err="1" smtClean="0"/>
+              <a:t>BeanMapping</a:t>
+            </a:r>
+            <a:endParaRPr lang="en-IN" dirty="0"/>
+          </a:p>
+        </p:txBody>
+      </p:sp>
+      <p:pic>
+        <p:nvPicPr>
+          <p:cNvPr id="4" name="Content Placeholder 3" descr="Bean mapping.JPG"/>
+          <p:cNvPicPr>
+            <a:picLocks noGrp="1" noChangeAspect="1"/>
+          </p:cNvPicPr>
+          <p:nvPr>
+            <p:ph idx="1"/>
+          </p:nvPr>
+        </p:nvPicPr>
+        <p:blipFill>
+          <a:blip r:embed="rId2" cstate="print"/>
+          <a:stretch>
+            <a:fillRect/>
+          </a:stretch>
+        </p:blipFill>
+        <p:spPr>
+          <a:xfrm>
+            <a:off x="4222644" y="0"/>
+            <a:ext cx="6816057" cy="6584170"/>
+          </a:xfrm>
+        </p:spPr>
+      </p:pic>
+    </p:spTree>
+  </p:cSld>
+  <p:clrMapOvr>
+    <a:masterClrMapping/>
+  </p:clrMapOvr>
+</p:sld>
+</file>
+
+<file path=ppt/slides/slide3.xml><?xml version="1.0" encoding="utf-8"?>
+<p:sld xmlns:a="http://schemas.openxmlformats.org/drawingml/2006/main" xmlns:r="http://schemas.openxmlformats.org/officeDocument/2006/relationships" xmlns:p="http://schemas.openxmlformats.org/presentationml/2006/main">
+  <p:cSld>
+    <p:spTree>
+      <p:nvGrpSpPr>
+        <p:cNvPr id="1" name=""/>
+        <p:cNvGrpSpPr/>
+        <p:nvPr/>
+      </p:nvGrpSpPr>
+      <p:grpSpPr>
+        <a:xfrm>
+          <a:off x="0" y="0"/>
+          <a:ext cx="0" cy="0"/>
+          <a:chOff x="0" y="0"/>
+          <a:chExt cx="0" cy="0"/>
+        </a:xfrm>
+      </p:grpSpPr>
+      <p:sp>
+        <p:nvSpPr>
+          <p:cNvPr id="2" name="Title 1">
+            <a:extLst>
+              <a:ext uri="{FF2B5EF4-FFF2-40B4-BE49-F238E27FC236}">
+                <a16:creationId xmlns:a16="http://schemas.microsoft.com/office/drawing/2014/main" xmlns="" id="{9EF8EC60-A685-44A2-958A-06A6655878B6}"/>
+              </a:ext>
+            </a:extLst>
+          </p:cNvPr>
+          <p:cNvSpPr>
+            <a:spLocks noGrp="1"/>
+          </p:cNvSpPr>
+          <p:nvPr>
+            <p:ph type="title"/>
+          </p:nvPr>
+        </p:nvSpPr>
+        <p:spPr/>
+        <p:txBody>
+          <a:bodyPr/>
+          <a:lstStyle/>
+          <a:p>
+            <a:r>
+              <a:rPr lang="en-US">
+                <a:cs typeface="Calibri Light"/>
+              </a:rPr>
+              <a:t>Write Cycle</a:t>
+            </a:r>
+            <a:endParaRPr lang="en-US"/>
+          </a:p>
+        </p:txBody>
+      </p:sp>
+      <p:sp>
+        <p:nvSpPr>
+          <p:cNvPr id="3" name="Content Placeholder 2">
+            <a:extLst>
+              <a:ext uri="{FF2B5EF4-FFF2-40B4-BE49-F238E27FC236}">
+                <a16:creationId xmlns:a16="http://schemas.microsoft.com/office/drawing/2014/main" xmlns="" id="{42646681-C550-4DA5-93B3-F0A68BA0881C}"/>
+              </a:ext>
+            </a:extLst>
+          </p:cNvPr>
+          <p:cNvSpPr>
+            <a:spLocks noGrp="1"/>
+          </p:cNvSpPr>
+          <p:nvPr>
+            <p:ph idx="1"/>
+          </p:nvPr>
+        </p:nvSpPr>
+        <p:spPr/>
+        <p:txBody>
+          <a:bodyPr vert="horz" lIns="91440" tIns="45720" rIns="91440" bIns="45720" rtlCol="0" anchor="t">
+            <a:normAutofit/>
+          </a:bodyPr>
+          <a:lstStyle/>
+          <a:p>
+            <a:r>
+              <a:rPr lang="en-US">
+                <a:cs typeface="Calibri"/>
+              </a:rPr>
+              <a:t>Logging data in the commit log</a:t>
+            </a:r>
+          </a:p>
+          <a:p>
+            <a:r>
+              <a:rPr lang="en-US">
+                <a:cs typeface="Calibri"/>
+              </a:rPr>
+              <a:t>Writing data to the memtable</a:t>
+            </a:r>
+            <a:endParaRPr lang="en-US"/>
+          </a:p>
+          <a:p>
+            <a:r>
+              <a:rPr lang="en-US">
+                <a:cs typeface="Calibri"/>
+              </a:rPr>
+              <a:t>Flushing data from the memtable</a:t>
+            </a:r>
+            <a:endParaRPr lang="en-US"/>
+          </a:p>
+          <a:p>
+            <a:r>
+              <a:rPr lang="en-US">
+                <a:cs typeface="Calibri"/>
+              </a:rPr>
+              <a:t>Storing data on disk in SSTables</a:t>
+            </a:r>
+            <a:endParaRPr lang="en-US"/>
+          </a:p>
+          <a:p>
+            <a:endParaRPr lang="en-US" dirty="0">
+              <a:cs typeface="Calibri"/>
+            </a:endParaRPr>
+          </a:p>
+        </p:txBody>
+      </p:sp>
+    </p:spTree>
+    <p:extLst>
+      <p:ext uri="{BB962C8B-B14F-4D97-AF65-F5344CB8AC3E}">
+        <p14:creationId xmlns:p14="http://schemas.microsoft.com/office/powerpoint/2010/main" xmlns="" val="2101305678"/>
+      </p:ext>
+    </p:extLst>
+  </p:cSld>
+  <p:clrMapOvr>
+    <a:masterClrMapping/>
+  </p:clrMapOvr>
+</p:sld>
+</file>
+
+<file path=ppt/slides/slide30.xml><?xml version="1.0" encoding="utf-8"?>
+<p:sld xmlns:a="http://schemas.openxmlformats.org/drawingml/2006/main" xmlns:r="http://schemas.openxmlformats.org/officeDocument/2006/relationships" xmlns:p="http://schemas.openxmlformats.org/presentationml/2006/main">
+  <p:cSld>
+    <p:spTree>
+      <p:nvGrpSpPr>
+        <p:cNvPr id="1" name=""/>
+        <p:cNvGrpSpPr/>
+        <p:nvPr/>
+      </p:nvGrpSpPr>
+      <p:grpSpPr>
+        <a:xfrm>
+          <a:off x="0" y="0"/>
+          <a:ext cx="0" cy="0"/>
+          <a:chOff x="0" y="0"/>
+          <a:chExt cx="0" cy="0"/>
+        </a:xfrm>
+      </p:grpSpPr>
+      <p:sp>
+        <p:nvSpPr>
+          <p:cNvPr id="2" name="Title 1"/>
+          <p:cNvSpPr>
+            <a:spLocks noGrp="1"/>
+          </p:cNvSpPr>
+          <p:nvPr>
+            <p:ph type="title"/>
+          </p:nvPr>
+        </p:nvSpPr>
+        <p:spPr/>
+        <p:txBody>
+          <a:bodyPr/>
+          <a:lstStyle/>
+          <a:p>
+            <a:r>
+              <a:rPr lang="en-IN" dirty="0" smtClean="0"/>
+              <a:t>User Defined Type</a:t>
+            </a:r>
+            <a:endParaRPr lang="en-IN" dirty="0"/>
+          </a:p>
+        </p:txBody>
+      </p:sp>
+      <p:pic>
+        <p:nvPicPr>
+          <p:cNvPr id="4" name="Content Placeholder 3" descr="UserDefinedType.JPG"/>
+          <p:cNvPicPr>
+            <a:picLocks noGrp="1" noChangeAspect="1"/>
+          </p:cNvPicPr>
+          <p:nvPr>
+            <p:ph idx="1"/>
+          </p:nvPr>
+        </p:nvPicPr>
+        <p:blipFill>
+          <a:blip r:embed="rId2" cstate="print"/>
+          <a:stretch>
+            <a:fillRect/>
+          </a:stretch>
+        </p:blipFill>
+        <p:spPr>
+          <a:xfrm>
+            <a:off x="5782713" y="0"/>
+            <a:ext cx="5124184" cy="6600645"/>
+          </a:xfrm>
+        </p:spPr>
+      </p:pic>
+    </p:spTree>
+  </p:cSld>
+  <p:clrMapOvr>
+    <a:masterClrMapping/>
+  </p:clrMapOvr>
+</p:sld>
+</file>
+
+<file path=ppt/slides/slide31.xml><?xml version="1.0" encoding="utf-8"?>
+<p:sld xmlns:a="http://schemas.openxmlformats.org/drawingml/2006/main" xmlns:r="http://schemas.openxmlformats.org/officeDocument/2006/relationships" xmlns:p="http://schemas.openxmlformats.org/presentationml/2006/main">
+  <p:cSld>
+    <p:spTree>
+      <p:nvGrpSpPr>
+        <p:cNvPr id="1" name=""/>
+        <p:cNvGrpSpPr/>
+        <p:nvPr/>
+      </p:nvGrpSpPr>
+      <p:grpSpPr>
+        <a:xfrm>
+          <a:off x="0" y="0"/>
+          <a:ext cx="0" cy="0"/>
+          <a:chOff x="0" y="0"/>
+          <a:chExt cx="0" cy="0"/>
+        </a:xfrm>
+      </p:grpSpPr>
+      <p:sp>
+        <p:nvSpPr>
+          <p:cNvPr id="2" name="Title 1"/>
+          <p:cNvSpPr>
+            <a:spLocks noGrp="1"/>
+          </p:cNvSpPr>
+          <p:nvPr>
+            <p:ph type="title"/>
+          </p:nvPr>
+        </p:nvSpPr>
+        <p:spPr/>
+        <p:txBody>
+          <a:bodyPr/>
+          <a:lstStyle/>
+          <a:p>
+            <a:r>
+              <a:rPr lang="en-IN" dirty="0" smtClean="0"/>
+              <a:t>Data</a:t>
+            </a:r>
+            <a:endParaRPr lang="en-IN" dirty="0"/>
+          </a:p>
+        </p:txBody>
+      </p:sp>
+      <p:pic>
+        <p:nvPicPr>
+          <p:cNvPr id="4" name="Content Placeholder 3" descr="select query.JPG"/>
+          <p:cNvPicPr>
+            <a:picLocks noGrp="1" noChangeAspect="1"/>
+          </p:cNvPicPr>
+          <p:nvPr>
+            <p:ph idx="1"/>
+          </p:nvPr>
+        </p:nvPicPr>
+        <p:blipFill>
+          <a:blip r:embed="rId2" cstate="print"/>
+          <a:stretch>
+            <a:fillRect/>
+          </a:stretch>
+        </p:blipFill>
+        <p:spPr>
+          <a:xfrm>
+            <a:off x="683096" y="1853020"/>
+            <a:ext cx="10129170" cy="3040256"/>
+          </a:xfrm>
+        </p:spPr>
+      </p:pic>
+    </p:spTree>
+  </p:cSld>
+  <p:clrMapOvr>
+    <a:masterClrMapping/>
+  </p:clrMapOvr>
+</p:sld>
+</file>
+
+<file path=ppt/slides/slide32.xml><?xml version="1.0" encoding="utf-8"?>
+<p:sld xmlns:a="http://schemas.openxmlformats.org/drawingml/2006/main" xmlns:r="http://schemas.openxmlformats.org/officeDocument/2006/relationships" xmlns:p="http://schemas.openxmlformats.org/presentationml/2006/main">
+  <p:cSld>
+    <p:spTree>
+      <p:nvGrpSpPr>
+        <p:cNvPr id="1" name=""/>
+        <p:cNvGrpSpPr/>
+        <p:nvPr/>
+      </p:nvGrpSpPr>
+      <p:grpSpPr>
+        <a:xfrm>
+          <a:off x="0" y="0"/>
+          <a:ext cx="0" cy="0"/>
+          <a:chOff x="0" y="0"/>
+          <a:chExt cx="0" cy="0"/>
+        </a:xfrm>
+      </p:grpSpPr>
+      <p:sp>
+        <p:nvSpPr>
+          <p:cNvPr id="2" name="Title 1"/>
+          <p:cNvSpPr>
+            <a:spLocks noGrp="1"/>
+          </p:cNvSpPr>
+          <p:nvPr>
+            <p:ph type="title"/>
+          </p:nvPr>
+        </p:nvSpPr>
+        <p:spPr/>
+        <p:txBody>
+          <a:bodyPr/>
+          <a:lstStyle/>
+          <a:p>
+            <a:r>
+              <a:rPr lang="en-IN" dirty="0" smtClean="0"/>
               <a:t>Performance</a:t>
             </a:r>
             <a:endParaRPr lang="en-IN" dirty="0"/>
@@ -6277,7 +6807,7 @@
 </p:sld>
 </file>
 
-<file path=ppt/slides/slide29.xml><?xml version="1.0" encoding="utf-8"?>
+<file path=ppt/slides/slide33.xml><?xml version="1.0" encoding="utf-8"?>
 <p:sld xmlns:a="http://schemas.openxmlformats.org/drawingml/2006/main" xmlns:r="http://schemas.openxmlformats.org/officeDocument/2006/relationships" xmlns:p="http://schemas.openxmlformats.org/presentationml/2006/main">
   <p:cSld>
     <p:spTree>
@@ -6425,131 +6955,6 @@
         </p:txBody>
       </p:sp>
     </p:spTree>
-  </p:cSld>
-  <p:clrMapOvr>
-    <a:masterClrMapping/>
-  </p:clrMapOvr>
-</p:sld>
-</file>
-
-<file path=ppt/slides/slide3.xml><?xml version="1.0" encoding="utf-8"?>
-<p:sld xmlns:a="http://schemas.openxmlformats.org/drawingml/2006/main" xmlns:r="http://schemas.openxmlformats.org/officeDocument/2006/relationships" xmlns:p="http://schemas.openxmlformats.org/presentationml/2006/main">
-  <p:cSld>
-    <p:spTree>
-      <p:nvGrpSpPr>
-        <p:cNvPr id="1" name=""/>
-        <p:cNvGrpSpPr/>
-        <p:nvPr/>
-      </p:nvGrpSpPr>
-      <p:grpSpPr>
-        <a:xfrm>
-          <a:off x="0" y="0"/>
-          <a:ext cx="0" cy="0"/>
-          <a:chOff x="0" y="0"/>
-          <a:chExt cx="0" cy="0"/>
-        </a:xfrm>
-      </p:grpSpPr>
-      <p:sp>
-        <p:nvSpPr>
-          <p:cNvPr id="2" name="Title 1">
-            <a:extLst>
-              <a:ext uri="{FF2B5EF4-FFF2-40B4-BE49-F238E27FC236}">
-                <a16:creationId xmlns:a16="http://schemas.microsoft.com/office/drawing/2014/main" xmlns="" id="{9EF8EC60-A685-44A2-958A-06A6655878B6}"/>
-              </a:ext>
-            </a:extLst>
-          </p:cNvPr>
-          <p:cNvSpPr>
-            <a:spLocks noGrp="1"/>
-          </p:cNvSpPr>
-          <p:nvPr>
-            <p:ph type="title"/>
-          </p:nvPr>
-        </p:nvSpPr>
-        <p:spPr/>
-        <p:txBody>
-          <a:bodyPr/>
-          <a:lstStyle/>
-          <a:p>
-            <a:r>
-              <a:rPr lang="en-US">
-                <a:cs typeface="Calibri Light"/>
-              </a:rPr>
-              <a:t>Write Cycle</a:t>
-            </a:r>
-            <a:endParaRPr lang="en-US"/>
-          </a:p>
-        </p:txBody>
-      </p:sp>
-      <p:sp>
-        <p:nvSpPr>
-          <p:cNvPr id="3" name="Content Placeholder 2">
-            <a:extLst>
-              <a:ext uri="{FF2B5EF4-FFF2-40B4-BE49-F238E27FC236}">
-                <a16:creationId xmlns:a16="http://schemas.microsoft.com/office/drawing/2014/main" xmlns="" id="{42646681-C550-4DA5-93B3-F0A68BA0881C}"/>
-              </a:ext>
-            </a:extLst>
-          </p:cNvPr>
-          <p:cNvSpPr>
-            <a:spLocks noGrp="1"/>
-          </p:cNvSpPr>
-          <p:nvPr>
-            <p:ph idx="1"/>
-          </p:nvPr>
-        </p:nvSpPr>
-        <p:spPr/>
-        <p:txBody>
-          <a:bodyPr vert="horz" lIns="91440" tIns="45720" rIns="91440" bIns="45720" rtlCol="0" anchor="t">
-            <a:normAutofit/>
-          </a:bodyPr>
-          <a:lstStyle/>
-          <a:p>
-            <a:r>
-              <a:rPr lang="en-US">
-                <a:cs typeface="Calibri"/>
-              </a:rPr>
-              <a:t>Logging data in the commit log</a:t>
-            </a:r>
-          </a:p>
-          <a:p>
-            <a:r>
-              <a:rPr lang="en-US">
-                <a:cs typeface="Calibri"/>
-              </a:rPr>
-              <a:t>Writing data to the memtable</a:t>
-            </a:r>
-            <a:endParaRPr lang="en-US"/>
-          </a:p>
-          <a:p>
-            <a:r>
-              <a:rPr lang="en-US">
-                <a:cs typeface="Calibri"/>
-              </a:rPr>
-              <a:t>Flushing data from the memtable</a:t>
-            </a:r>
-            <a:endParaRPr lang="en-US"/>
-          </a:p>
-          <a:p>
-            <a:r>
-              <a:rPr lang="en-US">
-                <a:cs typeface="Calibri"/>
-              </a:rPr>
-              <a:t>Storing data on disk in SSTables</a:t>
-            </a:r>
-            <a:endParaRPr lang="en-US"/>
-          </a:p>
-          <a:p>
-            <a:endParaRPr lang="en-US" dirty="0">
-              <a:cs typeface="Calibri"/>
-            </a:endParaRPr>
-          </a:p>
-        </p:txBody>
-      </p:sp>
-    </p:spTree>
-    <p:extLst>
-      <p:ext uri="{BB962C8B-B14F-4D97-AF65-F5344CB8AC3E}">
-        <p14:creationId xmlns:p14="http://schemas.microsoft.com/office/powerpoint/2010/main" xmlns="" val="2101305678"/>
-      </p:ext>
-    </p:extLst>
   </p:cSld>
   <p:clrMapOvr>
     <a:masterClrMapping/>
